--- a/Phase1/Demo1.pptx
+++ b/Phase1/Demo1.pptx
@@ -292,7 +292,7 @@
             <a:fld id="{1BA50D42-C9CD-4801-B293-61D1F53EC57E}" type="datetimeFigureOut">
               <a:rPr lang="de-DE" smtClean="0"/>
               <a:pPr/>
-              <a:t>15.03.2013</a:t>
+              <a:t>17.03.2013</a:t>
             </a:fld>
             <a:endParaRPr lang="de-DE"/>
           </a:p>
@@ -459,7 +459,7 @@
             <a:fld id="{1BA50D42-C9CD-4801-B293-61D1F53EC57E}" type="datetimeFigureOut">
               <a:rPr lang="de-DE" smtClean="0"/>
               <a:pPr/>
-              <a:t>15.03.2013</a:t>
+              <a:t>17.03.2013</a:t>
             </a:fld>
             <a:endParaRPr lang="de-DE"/>
           </a:p>
@@ -636,7 +636,7 @@
             <a:fld id="{1BA50D42-C9CD-4801-B293-61D1F53EC57E}" type="datetimeFigureOut">
               <a:rPr lang="de-DE" smtClean="0"/>
               <a:pPr/>
-              <a:t>15.03.2013</a:t>
+              <a:t>17.03.2013</a:t>
             </a:fld>
             <a:endParaRPr lang="de-DE"/>
           </a:p>
@@ -803,7 +803,7 @@
             <a:fld id="{1BA50D42-C9CD-4801-B293-61D1F53EC57E}" type="datetimeFigureOut">
               <a:rPr lang="de-DE" smtClean="0"/>
               <a:pPr/>
-              <a:t>15.03.2013</a:t>
+              <a:t>17.03.2013</a:t>
             </a:fld>
             <a:endParaRPr lang="de-DE"/>
           </a:p>
@@ -1046,7 +1046,7 @@
             <a:fld id="{1BA50D42-C9CD-4801-B293-61D1F53EC57E}" type="datetimeFigureOut">
               <a:rPr lang="de-DE" smtClean="0"/>
               <a:pPr/>
-              <a:t>15.03.2013</a:t>
+              <a:t>17.03.2013</a:t>
             </a:fld>
             <a:endParaRPr lang="de-DE"/>
           </a:p>
@@ -1331,7 +1331,7 @@
             <a:fld id="{1BA50D42-C9CD-4801-B293-61D1F53EC57E}" type="datetimeFigureOut">
               <a:rPr lang="de-DE" smtClean="0"/>
               <a:pPr/>
-              <a:t>15.03.2013</a:t>
+              <a:t>17.03.2013</a:t>
             </a:fld>
             <a:endParaRPr lang="de-DE"/>
           </a:p>
@@ -1750,7 +1750,7 @@
             <a:fld id="{1BA50D42-C9CD-4801-B293-61D1F53EC57E}" type="datetimeFigureOut">
               <a:rPr lang="de-DE" smtClean="0"/>
               <a:pPr/>
-              <a:t>15.03.2013</a:t>
+              <a:t>17.03.2013</a:t>
             </a:fld>
             <a:endParaRPr lang="de-DE"/>
           </a:p>
@@ -1865,7 +1865,7 @@
             <a:fld id="{1BA50D42-C9CD-4801-B293-61D1F53EC57E}" type="datetimeFigureOut">
               <a:rPr lang="de-DE" smtClean="0"/>
               <a:pPr/>
-              <a:t>15.03.2013</a:t>
+              <a:t>17.03.2013</a:t>
             </a:fld>
             <a:endParaRPr lang="de-DE"/>
           </a:p>
@@ -1957,7 +1957,7 @@
             <a:fld id="{1BA50D42-C9CD-4801-B293-61D1F53EC57E}" type="datetimeFigureOut">
               <a:rPr lang="de-DE" smtClean="0"/>
               <a:pPr/>
-              <a:t>15.03.2013</a:t>
+              <a:t>17.03.2013</a:t>
             </a:fld>
             <a:endParaRPr lang="de-DE"/>
           </a:p>
@@ -2231,7 +2231,7 @@
             <a:fld id="{1BA50D42-C9CD-4801-B293-61D1F53EC57E}" type="datetimeFigureOut">
               <a:rPr lang="de-DE" smtClean="0"/>
               <a:pPr/>
-              <a:t>15.03.2013</a:t>
+              <a:t>17.03.2013</a:t>
             </a:fld>
             <a:endParaRPr lang="de-DE"/>
           </a:p>
@@ -2481,7 +2481,7 @@
             <a:fld id="{1BA50D42-C9CD-4801-B293-61D1F53EC57E}" type="datetimeFigureOut">
               <a:rPr lang="de-DE" smtClean="0"/>
               <a:pPr/>
-              <a:t>15.03.2013</a:t>
+              <a:t>17.03.2013</a:t>
             </a:fld>
             <a:endParaRPr lang="de-DE"/>
           </a:p>
@@ -2691,7 +2691,7 @@
             <a:fld id="{1BA50D42-C9CD-4801-B293-61D1F53EC57E}" type="datetimeFigureOut">
               <a:rPr lang="de-DE" smtClean="0"/>
               <a:pPr/>
-              <a:t>15.03.2013</a:t>
+              <a:t>17.03.2013</a:t>
             </a:fld>
             <a:endParaRPr lang="de-DE"/>
           </a:p>
@@ -3081,19 +3081,11 @@
           <a:p>
             <a:r>
               <a:rPr lang="de-CH" dirty="0" err="1" smtClean="0"/>
-              <a:t>w</a:t>
-            </a:r>
-            <a:r>
-              <a:rPr lang="de-CH" dirty="0" err="1" smtClean="0"/>
-              <a:t>osm</a:t>
+              <a:t>wosm</a:t>
             </a:r>
             <a:r>
               <a:rPr lang="de-CH" dirty="0" smtClean="0"/>
               <a:t> </a:t>
-            </a:r>
-            <a:r>
-              <a:rPr lang="de-CH" dirty="0" smtClean="0"/>
-              <a:t/>
             </a:r>
             <a:br>
               <a:rPr lang="de-CH" dirty="0" smtClean="0"/>
@@ -3131,11 +3123,7 @@
           <a:p>
             <a:r>
               <a:rPr lang="de-CH" dirty="0" smtClean="0"/>
-              <a:t>Pascal </a:t>
-            </a:r>
-            <a:r>
-              <a:rPr lang="de-CH" dirty="0" smtClean="0"/>
-              <a:t>Schwarz</a:t>
+              <a:t>Pascal Schwarz</a:t>
             </a:r>
             <a:endParaRPr lang="de-CH" dirty="0"/>
           </a:p>
@@ -3238,7 +3226,6 @@
               <a:rPr lang="de-CH" dirty="0" smtClean="0"/>
               <a:t>IP-Konzept </a:t>
             </a:r>
-            <a:endParaRPr lang="de-CH" dirty="0" smtClean="0"/>
           </a:p>
           <a:p>
             <a:r>
@@ -3348,7 +3335,7 @@
       </p:sp>
       <p:pic>
         <p:nvPicPr>
-          <p:cNvPr id="1027" name="Picture 3" descr="D:\FHNW\6. Semester\wosm\git\Netz_IP.png"/>
+          <p:cNvPr id="1026" name="Picture 2" descr="D:\FHNW\6. Semester\wosm\git\Phase1\Netz_IP.png"/>
           <p:cNvPicPr>
             <a:picLocks noChangeAspect="1" noChangeArrowheads="1"/>
           </p:cNvPicPr>
@@ -3363,8 +3350,8 @@
         </p:blipFill>
         <p:spPr bwMode="auto">
           <a:xfrm>
-            <a:off x="-252536" y="116632"/>
-            <a:ext cx="9994620" cy="6264696"/>
+            <a:off x="-291376" y="83203"/>
+            <a:ext cx="10047952" cy="6298125"/>
           </a:xfrm>
           <a:prstGeom prst="rect">
             <a:avLst/>

--- a/Phase1/Demo1.pptx
+++ b/Phase1/Demo1.pptx
@@ -8,7 +8,10 @@
     <p:sldId id="256" r:id="rId2"/>
     <p:sldId id="258" r:id="rId3"/>
     <p:sldId id="257" r:id="rId4"/>
-    <p:sldId id="259" r:id="rId5"/>
+    <p:sldId id="260" r:id="rId5"/>
+    <p:sldId id="259" r:id="rId6"/>
+    <p:sldId id="261" r:id="rId7"/>
+    <p:sldId id="262" r:id="rId8"/>
   </p:sldIdLst>
   <p:sldSz cx="9144000" cy="6858000" type="screen4x3"/>
   <p:notesSz cx="6858000" cy="9144000"/>
@@ -107,6 +110,22 @@
       </a:defRPr>
     </a:lvl9pPr>
   </p:defaultTextStyle>
+  <p:extLst>
+    <p:ext uri="{EFAFB233-063F-42B5-8137-9DF3F51BA10A}">
+      <p15:sldGuideLst xmlns:p15="http://schemas.microsoft.com/office/powerpoint/2012/main">
+        <p15:guide id="1" orient="horz" pos="2160">
+          <p15:clr>
+            <a:srgbClr val="A4A3A4"/>
+          </p15:clr>
+        </p15:guide>
+        <p15:guide id="2" pos="2880">
+          <p15:clr>
+            <a:srgbClr val="A4A3A4"/>
+          </p15:clr>
+        </p15:guide>
+      </p15:sldGuideLst>
+    </p:ext>
+  </p:extLst>
 </p:presentation>
 </file>
 
@@ -3075,17 +3094,32 @@
         <p:spPr/>
         <p:txBody>
           <a:bodyPr>
-            <a:normAutofit/>
+            <a:normAutofit fontScale="90000"/>
           </a:bodyPr>
           <a:lstStyle/>
           <a:p>
             <a:r>
+              <a:rPr lang="de-CH" dirty="0" err="1"/>
+              <a:t>w</a:t>
+            </a:r>
+            <a:r>
               <a:rPr lang="de-CH" dirty="0" err="1" smtClean="0"/>
-              <a:t>wosm</a:t>
-            </a:r>
+              <a:t>osm</a:t>
+            </a:r>
+            <a:r>
+              <a:rPr lang="de-CH" dirty="0" smtClean="0"/>
+              <a:t/>
+            </a:r>
+            <a:br>
+              <a:rPr lang="de-CH" dirty="0" smtClean="0"/>
+            </a:br>
             <a:r>
               <a:rPr lang="de-CH" dirty="0" smtClean="0"/>
               <a:t> </a:t>
+            </a:r>
+            <a:r>
+              <a:rPr lang="de-CH" dirty="0" smtClean="0"/>
+              <a:t/>
             </a:r>
             <a:br>
               <a:rPr lang="de-CH" dirty="0" smtClean="0"/>
@@ -3232,13 +3266,7 @@
               <a:rPr lang="de-CH" dirty="0" smtClean="0"/>
               <a:t>Bedrohungsmodell</a:t>
             </a:r>
-          </a:p>
-          <a:p>
-            <a:pPr lvl="1"/>
-            <a:r>
-              <a:rPr lang="de-CH" dirty="0" smtClean="0"/>
-              <a:t>Übersicht</a:t>
-            </a:r>
+            <a:endParaRPr lang="de-CH" dirty="0" smtClean="0"/>
           </a:p>
           <a:p>
             <a:pPr lvl="1"/>
@@ -3246,6 +3274,14 @@
               <a:rPr lang="de-CH" dirty="0" smtClean="0"/>
               <a:t>Attacken</a:t>
             </a:r>
+          </a:p>
+          <a:p>
+            <a:pPr lvl="1"/>
+            <a:r>
+              <a:rPr lang="de-CH" dirty="0" smtClean="0"/>
+              <a:t>Priorisierung</a:t>
+            </a:r>
+            <a:endParaRPr lang="de-CH" dirty="0" smtClean="0"/>
           </a:p>
           <a:p>
             <a:pPr lvl="1"/>
@@ -5293,7 +5329,7 @@
           <a:p>
             <a:r>
               <a:rPr lang="de-CH" dirty="0" smtClean="0"/>
-              <a:t>Bedrohungsmodell</a:t>
+              <a:t>Bedrohungsmodell - Attacken</a:t>
             </a:r>
             <a:endParaRPr lang="de-CH" dirty="0"/>
           </a:p>
@@ -5307,6 +5343,619 @@
           </p:cNvSpPr>
           <p:nvPr>
             <p:ph idx="1"/>
+          </p:nvPr>
+        </p:nvSpPr>
+        <p:spPr/>
+        <p:txBody>
+          <a:bodyPr>
+            <a:normAutofit lnSpcReduction="10000"/>
+          </a:bodyPr>
+          <a:lstStyle/>
+          <a:p>
+            <a:r>
+              <a:rPr lang="de-CH" dirty="0" smtClean="0"/>
+              <a:t>ICMP </a:t>
+            </a:r>
+            <a:r>
+              <a:rPr lang="de-CH" dirty="0"/>
+              <a:t>‘</a:t>
+            </a:r>
+            <a:r>
+              <a:rPr lang="de-CH" dirty="0" err="1"/>
+              <a:t>smurf</a:t>
+            </a:r>
+            <a:r>
+              <a:rPr lang="de-CH" dirty="0"/>
+              <a:t> </a:t>
+            </a:r>
+            <a:r>
+              <a:rPr lang="de-CH" dirty="0" err="1"/>
+              <a:t>attack</a:t>
+            </a:r>
+            <a:r>
+              <a:rPr lang="de-CH" dirty="0"/>
+              <a:t>’: </a:t>
+            </a:r>
+            <a:r>
+              <a:rPr lang="de-CH" dirty="0" err="1"/>
+              <a:t>Denial</a:t>
+            </a:r>
+            <a:r>
+              <a:rPr lang="de-CH" dirty="0"/>
+              <a:t> </a:t>
+            </a:r>
+            <a:r>
+              <a:rPr lang="de-CH" dirty="0" err="1"/>
+              <a:t>of</a:t>
+            </a:r>
+            <a:r>
+              <a:rPr lang="de-CH" dirty="0"/>
+              <a:t> </a:t>
+            </a:r>
+            <a:r>
+              <a:rPr lang="de-CH" dirty="0" smtClean="0"/>
+              <a:t>Service</a:t>
+            </a:r>
+            <a:endParaRPr lang="de-CH" dirty="0"/>
+          </a:p>
+          <a:p>
+            <a:r>
+              <a:rPr lang="de-CH" dirty="0" smtClean="0"/>
+              <a:t>Viren </a:t>
+            </a:r>
+            <a:r>
+              <a:rPr lang="de-CH" dirty="0"/>
+              <a:t>/ Würmer / </a:t>
+            </a:r>
+            <a:r>
+              <a:rPr lang="de-CH" dirty="0" smtClean="0"/>
+              <a:t>Trojaner</a:t>
+            </a:r>
+            <a:endParaRPr lang="de-CH" dirty="0"/>
+          </a:p>
+          <a:p>
+            <a:r>
+              <a:rPr lang="de-CH" dirty="0" smtClean="0"/>
+              <a:t>TCP </a:t>
+            </a:r>
+            <a:r>
+              <a:rPr lang="de-CH" dirty="0" err="1"/>
+              <a:t>DoS</a:t>
+            </a:r>
+            <a:r>
+              <a:rPr lang="de-CH" dirty="0"/>
+              <a:t> (</a:t>
+            </a:r>
+            <a:r>
+              <a:rPr lang="de-CH" dirty="0" smtClean="0"/>
+              <a:t>SYN-</a:t>
+            </a:r>
+            <a:r>
+              <a:rPr lang="de-CH" dirty="0" err="1" smtClean="0"/>
+              <a:t>Flooding</a:t>
+            </a:r>
+            <a:r>
+              <a:rPr lang="de-CH" dirty="0" smtClean="0"/>
+              <a:t>)</a:t>
+            </a:r>
+          </a:p>
+          <a:p>
+            <a:r>
+              <a:rPr lang="de-CH" dirty="0" smtClean="0"/>
+              <a:t>DNS </a:t>
+            </a:r>
+            <a:r>
+              <a:rPr lang="de-CH" dirty="0"/>
+              <a:t>Cache </a:t>
+            </a:r>
+            <a:r>
+              <a:rPr lang="de-CH" dirty="0" err="1" smtClean="0"/>
+              <a:t>poisoning</a:t>
+            </a:r>
+            <a:endParaRPr lang="de-CH" dirty="0"/>
+          </a:p>
+          <a:p>
+            <a:r>
+              <a:rPr lang="de-CH" dirty="0" smtClean="0"/>
+              <a:t>Phishing</a:t>
+            </a:r>
+            <a:endParaRPr lang="de-CH" dirty="0"/>
+          </a:p>
+          <a:p>
+            <a:r>
+              <a:rPr lang="de-CH" dirty="0" err="1" smtClean="0"/>
+              <a:t>Rogue</a:t>
+            </a:r>
+            <a:r>
+              <a:rPr lang="de-CH" dirty="0" smtClean="0"/>
+              <a:t> DHCP</a:t>
+            </a:r>
+            <a:endParaRPr lang="de-CH" dirty="0"/>
+          </a:p>
+          <a:p>
+            <a:r>
+              <a:rPr lang="de-CH" dirty="0" smtClean="0"/>
+              <a:t>MAC </a:t>
+            </a:r>
+            <a:r>
+              <a:rPr lang="de-CH" dirty="0" err="1" smtClean="0"/>
+              <a:t>flooding</a:t>
+            </a:r>
+            <a:endParaRPr lang="de-CH" dirty="0"/>
+          </a:p>
+          <a:p>
+            <a:r>
+              <a:rPr lang="de-CH" dirty="0" smtClean="0"/>
+              <a:t>ARP </a:t>
+            </a:r>
+            <a:r>
+              <a:rPr lang="de-CH" dirty="0" err="1" smtClean="0"/>
+              <a:t>spoofing</a:t>
+            </a:r>
+            <a:endParaRPr lang="de-CH" dirty="0"/>
+          </a:p>
+        </p:txBody>
+      </p:sp>
+    </p:spTree>
+    <p:extLst>
+      <p:ext uri="{BB962C8B-B14F-4D97-AF65-F5344CB8AC3E}">
+        <p14:creationId xmlns:p14="http://schemas.microsoft.com/office/powerpoint/2010/main" val="932044178"/>
+      </p:ext>
+    </p:extLst>
+  </p:cSld>
+  <p:clrMapOvr>
+    <a:masterClrMapping/>
+  </p:clrMapOvr>
+  <p:timing>
+    <p:tnLst>
+      <p:par>
+        <p:cTn id="1" dur="indefinite" restart="never" nodeType="tmRoot">
+          <p:childTnLst>
+            <p:seq concurrent="1" nextAc="seek">
+              <p:cTn id="2" dur="indefinite" nodeType="mainSeq">
+                <p:childTnLst>
+                  <p:par>
+                    <p:cTn id="3" fill="hold">
+                      <p:stCondLst>
+                        <p:cond delay="indefinite"/>
+                      </p:stCondLst>
+                      <p:childTnLst>
+                        <p:par>
+                          <p:cTn id="4" fill="hold">
+                            <p:stCondLst>
+                              <p:cond delay="0"/>
+                            </p:stCondLst>
+                            <p:childTnLst>
+                              <p:par>
+                                <p:cTn id="5" presetID="1" presetClass="entr" presetSubtype="0" fill="hold" nodeType="clickEffect">
+                                  <p:stCondLst>
+                                    <p:cond delay="0"/>
+                                  </p:stCondLst>
+                                  <p:childTnLst>
+                                    <p:set>
+                                      <p:cBhvr>
+                                        <p:cTn id="6" dur="1" fill="hold">
+                                          <p:stCondLst>
+                                            <p:cond delay="0"/>
+                                          </p:stCondLst>
+                                        </p:cTn>
+                                        <p:tgtEl>
+                                          <p:spTgt spid="3">
+                                            <p:txEl>
+                                              <p:pRg st="0" end="0"/>
+                                            </p:txEl>
+                                          </p:spTgt>
+                                        </p:tgtEl>
+                                        <p:attrNameLst>
+                                          <p:attrName>style.visibility</p:attrName>
+                                        </p:attrNameLst>
+                                      </p:cBhvr>
+                                      <p:to>
+                                        <p:strVal val="visible"/>
+                                      </p:to>
+                                    </p:set>
+                                  </p:childTnLst>
+                                </p:cTn>
+                              </p:par>
+                            </p:childTnLst>
+                          </p:cTn>
+                        </p:par>
+                      </p:childTnLst>
+                    </p:cTn>
+                  </p:par>
+                  <p:par>
+                    <p:cTn id="7" fill="hold">
+                      <p:stCondLst>
+                        <p:cond delay="indefinite"/>
+                      </p:stCondLst>
+                      <p:childTnLst>
+                        <p:par>
+                          <p:cTn id="8" fill="hold">
+                            <p:stCondLst>
+                              <p:cond delay="0"/>
+                            </p:stCondLst>
+                            <p:childTnLst>
+                              <p:par>
+                                <p:cTn id="9" presetID="1" presetClass="entr" presetSubtype="0" fill="hold" nodeType="clickEffect">
+                                  <p:stCondLst>
+                                    <p:cond delay="0"/>
+                                  </p:stCondLst>
+                                  <p:childTnLst>
+                                    <p:set>
+                                      <p:cBhvr>
+                                        <p:cTn id="10" dur="1" fill="hold">
+                                          <p:stCondLst>
+                                            <p:cond delay="0"/>
+                                          </p:stCondLst>
+                                        </p:cTn>
+                                        <p:tgtEl>
+                                          <p:spTgt spid="3">
+                                            <p:txEl>
+                                              <p:pRg st="1" end="1"/>
+                                            </p:txEl>
+                                          </p:spTgt>
+                                        </p:tgtEl>
+                                        <p:attrNameLst>
+                                          <p:attrName>style.visibility</p:attrName>
+                                        </p:attrNameLst>
+                                      </p:cBhvr>
+                                      <p:to>
+                                        <p:strVal val="visible"/>
+                                      </p:to>
+                                    </p:set>
+                                  </p:childTnLst>
+                                </p:cTn>
+                              </p:par>
+                            </p:childTnLst>
+                          </p:cTn>
+                        </p:par>
+                      </p:childTnLst>
+                    </p:cTn>
+                  </p:par>
+                  <p:par>
+                    <p:cTn id="11" fill="hold">
+                      <p:stCondLst>
+                        <p:cond delay="indefinite"/>
+                      </p:stCondLst>
+                      <p:childTnLst>
+                        <p:par>
+                          <p:cTn id="12" fill="hold">
+                            <p:stCondLst>
+                              <p:cond delay="0"/>
+                            </p:stCondLst>
+                            <p:childTnLst>
+                              <p:par>
+                                <p:cTn id="13" presetID="1" presetClass="entr" presetSubtype="0" fill="hold" nodeType="clickEffect">
+                                  <p:stCondLst>
+                                    <p:cond delay="0"/>
+                                  </p:stCondLst>
+                                  <p:childTnLst>
+                                    <p:set>
+                                      <p:cBhvr>
+                                        <p:cTn id="14" dur="1" fill="hold">
+                                          <p:stCondLst>
+                                            <p:cond delay="0"/>
+                                          </p:stCondLst>
+                                        </p:cTn>
+                                        <p:tgtEl>
+                                          <p:spTgt spid="3">
+                                            <p:txEl>
+                                              <p:pRg st="2" end="2"/>
+                                            </p:txEl>
+                                          </p:spTgt>
+                                        </p:tgtEl>
+                                        <p:attrNameLst>
+                                          <p:attrName>style.visibility</p:attrName>
+                                        </p:attrNameLst>
+                                      </p:cBhvr>
+                                      <p:to>
+                                        <p:strVal val="visible"/>
+                                      </p:to>
+                                    </p:set>
+                                  </p:childTnLst>
+                                </p:cTn>
+                              </p:par>
+                            </p:childTnLst>
+                          </p:cTn>
+                        </p:par>
+                      </p:childTnLst>
+                    </p:cTn>
+                  </p:par>
+                  <p:par>
+                    <p:cTn id="15" fill="hold">
+                      <p:stCondLst>
+                        <p:cond delay="indefinite"/>
+                      </p:stCondLst>
+                      <p:childTnLst>
+                        <p:par>
+                          <p:cTn id="16" fill="hold">
+                            <p:stCondLst>
+                              <p:cond delay="0"/>
+                            </p:stCondLst>
+                            <p:childTnLst>
+                              <p:par>
+                                <p:cTn id="17" presetID="1" presetClass="entr" presetSubtype="0" fill="hold" nodeType="clickEffect">
+                                  <p:stCondLst>
+                                    <p:cond delay="0"/>
+                                  </p:stCondLst>
+                                  <p:childTnLst>
+                                    <p:set>
+                                      <p:cBhvr>
+                                        <p:cTn id="18" dur="1" fill="hold">
+                                          <p:stCondLst>
+                                            <p:cond delay="0"/>
+                                          </p:stCondLst>
+                                        </p:cTn>
+                                        <p:tgtEl>
+                                          <p:spTgt spid="3">
+                                            <p:txEl>
+                                              <p:pRg st="3" end="3"/>
+                                            </p:txEl>
+                                          </p:spTgt>
+                                        </p:tgtEl>
+                                        <p:attrNameLst>
+                                          <p:attrName>style.visibility</p:attrName>
+                                        </p:attrNameLst>
+                                      </p:cBhvr>
+                                      <p:to>
+                                        <p:strVal val="visible"/>
+                                      </p:to>
+                                    </p:set>
+                                  </p:childTnLst>
+                                </p:cTn>
+                              </p:par>
+                            </p:childTnLst>
+                          </p:cTn>
+                        </p:par>
+                      </p:childTnLst>
+                    </p:cTn>
+                  </p:par>
+                  <p:par>
+                    <p:cTn id="19" fill="hold">
+                      <p:stCondLst>
+                        <p:cond delay="indefinite"/>
+                      </p:stCondLst>
+                      <p:childTnLst>
+                        <p:par>
+                          <p:cTn id="20" fill="hold">
+                            <p:stCondLst>
+                              <p:cond delay="0"/>
+                            </p:stCondLst>
+                            <p:childTnLst>
+                              <p:par>
+                                <p:cTn id="21" presetID="1" presetClass="entr" presetSubtype="0" fill="hold" nodeType="clickEffect">
+                                  <p:stCondLst>
+                                    <p:cond delay="0"/>
+                                  </p:stCondLst>
+                                  <p:childTnLst>
+                                    <p:set>
+                                      <p:cBhvr>
+                                        <p:cTn id="22" dur="1" fill="hold">
+                                          <p:stCondLst>
+                                            <p:cond delay="0"/>
+                                          </p:stCondLst>
+                                        </p:cTn>
+                                        <p:tgtEl>
+                                          <p:spTgt spid="3">
+                                            <p:txEl>
+                                              <p:pRg st="4" end="4"/>
+                                            </p:txEl>
+                                          </p:spTgt>
+                                        </p:tgtEl>
+                                        <p:attrNameLst>
+                                          <p:attrName>style.visibility</p:attrName>
+                                        </p:attrNameLst>
+                                      </p:cBhvr>
+                                      <p:to>
+                                        <p:strVal val="visible"/>
+                                      </p:to>
+                                    </p:set>
+                                  </p:childTnLst>
+                                </p:cTn>
+                              </p:par>
+                            </p:childTnLst>
+                          </p:cTn>
+                        </p:par>
+                      </p:childTnLst>
+                    </p:cTn>
+                  </p:par>
+                  <p:par>
+                    <p:cTn id="23" fill="hold">
+                      <p:stCondLst>
+                        <p:cond delay="indefinite"/>
+                      </p:stCondLst>
+                      <p:childTnLst>
+                        <p:par>
+                          <p:cTn id="24" fill="hold">
+                            <p:stCondLst>
+                              <p:cond delay="0"/>
+                            </p:stCondLst>
+                            <p:childTnLst>
+                              <p:par>
+                                <p:cTn id="25" presetID="1" presetClass="entr" presetSubtype="0" fill="hold" nodeType="clickEffect">
+                                  <p:stCondLst>
+                                    <p:cond delay="0"/>
+                                  </p:stCondLst>
+                                  <p:childTnLst>
+                                    <p:set>
+                                      <p:cBhvr>
+                                        <p:cTn id="26" dur="1" fill="hold">
+                                          <p:stCondLst>
+                                            <p:cond delay="0"/>
+                                          </p:stCondLst>
+                                        </p:cTn>
+                                        <p:tgtEl>
+                                          <p:spTgt spid="3">
+                                            <p:txEl>
+                                              <p:pRg st="5" end="5"/>
+                                            </p:txEl>
+                                          </p:spTgt>
+                                        </p:tgtEl>
+                                        <p:attrNameLst>
+                                          <p:attrName>style.visibility</p:attrName>
+                                        </p:attrNameLst>
+                                      </p:cBhvr>
+                                      <p:to>
+                                        <p:strVal val="visible"/>
+                                      </p:to>
+                                    </p:set>
+                                  </p:childTnLst>
+                                </p:cTn>
+                              </p:par>
+                            </p:childTnLst>
+                          </p:cTn>
+                        </p:par>
+                      </p:childTnLst>
+                    </p:cTn>
+                  </p:par>
+                  <p:par>
+                    <p:cTn id="27" fill="hold">
+                      <p:stCondLst>
+                        <p:cond delay="indefinite"/>
+                      </p:stCondLst>
+                      <p:childTnLst>
+                        <p:par>
+                          <p:cTn id="28" fill="hold">
+                            <p:stCondLst>
+                              <p:cond delay="0"/>
+                            </p:stCondLst>
+                            <p:childTnLst>
+                              <p:par>
+                                <p:cTn id="29" presetID="1" presetClass="entr" presetSubtype="0" fill="hold" nodeType="clickEffect">
+                                  <p:stCondLst>
+                                    <p:cond delay="0"/>
+                                  </p:stCondLst>
+                                  <p:childTnLst>
+                                    <p:set>
+                                      <p:cBhvr>
+                                        <p:cTn id="30" dur="1" fill="hold">
+                                          <p:stCondLst>
+                                            <p:cond delay="0"/>
+                                          </p:stCondLst>
+                                        </p:cTn>
+                                        <p:tgtEl>
+                                          <p:spTgt spid="3">
+                                            <p:txEl>
+                                              <p:pRg st="6" end="6"/>
+                                            </p:txEl>
+                                          </p:spTgt>
+                                        </p:tgtEl>
+                                        <p:attrNameLst>
+                                          <p:attrName>style.visibility</p:attrName>
+                                        </p:attrNameLst>
+                                      </p:cBhvr>
+                                      <p:to>
+                                        <p:strVal val="visible"/>
+                                      </p:to>
+                                    </p:set>
+                                  </p:childTnLst>
+                                </p:cTn>
+                              </p:par>
+                            </p:childTnLst>
+                          </p:cTn>
+                        </p:par>
+                      </p:childTnLst>
+                    </p:cTn>
+                  </p:par>
+                  <p:par>
+                    <p:cTn id="31" fill="hold">
+                      <p:stCondLst>
+                        <p:cond delay="indefinite"/>
+                      </p:stCondLst>
+                      <p:childTnLst>
+                        <p:par>
+                          <p:cTn id="32" fill="hold">
+                            <p:stCondLst>
+                              <p:cond delay="0"/>
+                            </p:stCondLst>
+                            <p:childTnLst>
+                              <p:par>
+                                <p:cTn id="33" presetID="1" presetClass="entr" presetSubtype="0" fill="hold" nodeType="clickEffect">
+                                  <p:stCondLst>
+                                    <p:cond delay="0"/>
+                                  </p:stCondLst>
+                                  <p:childTnLst>
+                                    <p:set>
+                                      <p:cBhvr>
+                                        <p:cTn id="34" dur="1" fill="hold">
+                                          <p:stCondLst>
+                                            <p:cond delay="0"/>
+                                          </p:stCondLst>
+                                        </p:cTn>
+                                        <p:tgtEl>
+                                          <p:spTgt spid="3">
+                                            <p:txEl>
+                                              <p:pRg st="7" end="7"/>
+                                            </p:txEl>
+                                          </p:spTgt>
+                                        </p:tgtEl>
+                                        <p:attrNameLst>
+                                          <p:attrName>style.visibility</p:attrName>
+                                        </p:attrNameLst>
+                                      </p:cBhvr>
+                                      <p:to>
+                                        <p:strVal val="visible"/>
+                                      </p:to>
+                                    </p:set>
+                                  </p:childTnLst>
+                                </p:cTn>
+                              </p:par>
+                            </p:childTnLst>
+                          </p:cTn>
+                        </p:par>
+                      </p:childTnLst>
+                    </p:cTn>
+                  </p:par>
+                </p:childTnLst>
+              </p:cTn>
+              <p:prevCondLst>
+                <p:cond evt="onPrev" delay="0">
+                  <p:tgtEl>
+                    <p:sldTgt/>
+                  </p:tgtEl>
+                </p:cond>
+              </p:prevCondLst>
+              <p:nextCondLst>
+                <p:cond evt="onNext" delay="0">
+                  <p:tgtEl>
+                    <p:sldTgt/>
+                  </p:tgtEl>
+                </p:cond>
+              </p:nextCondLst>
+            </p:seq>
+          </p:childTnLst>
+        </p:cTn>
+      </p:par>
+    </p:tnLst>
+  </p:timing>
+</p:sld>
+</file>
+
+<file path=ppt/slides/slide5.xml><?xml version="1.0" encoding="utf-8"?>
+<p:sld xmlns:a="http://schemas.openxmlformats.org/drawingml/2006/main" xmlns:r="http://schemas.openxmlformats.org/officeDocument/2006/relationships" xmlns:p="http://schemas.openxmlformats.org/presentationml/2006/main">
+  <p:cSld>
+    <p:spTree>
+      <p:nvGrpSpPr>
+        <p:cNvPr id="1" name=""/>
+        <p:cNvGrpSpPr/>
+        <p:nvPr/>
+      </p:nvGrpSpPr>
+      <p:grpSpPr>
+        <a:xfrm>
+          <a:off x="0" y="0"/>
+          <a:ext cx="0" cy="0"/>
+          <a:chOff x="0" y="0"/>
+          <a:chExt cx="0" cy="0"/>
+        </a:xfrm>
+      </p:grpSpPr>
+      <p:sp>
+        <p:nvSpPr>
+          <p:cNvPr id="2" name="Titel 1"/>
+          <p:cNvSpPr>
+            <a:spLocks noGrp="1"/>
+          </p:cNvSpPr>
+          <p:nvPr>
+            <p:ph type="title"/>
           </p:nvPr>
         </p:nvSpPr>
         <p:spPr/>
@@ -5314,11 +5963,584 @@
           <a:bodyPr/>
           <a:lstStyle/>
           <a:p>
+            <a:r>
+              <a:rPr lang="de-CH" dirty="0" smtClean="0"/>
+              <a:t>Bedrohungsmodell - Priorisierung</a:t>
+            </a:r>
             <a:endParaRPr lang="de-CH" dirty="0"/>
           </a:p>
         </p:txBody>
       </p:sp>
+      <p:sp>
+        <p:nvSpPr>
+          <p:cNvPr id="3" name="Inhaltsplatzhalter 2"/>
+          <p:cNvSpPr>
+            <a:spLocks noGrp="1"/>
+          </p:cNvSpPr>
+          <p:nvPr>
+            <p:ph idx="1"/>
+          </p:nvPr>
+        </p:nvSpPr>
+        <p:spPr/>
+        <p:txBody>
+          <a:bodyPr/>
+          <a:lstStyle/>
+          <a:p>
+            <a:endParaRPr lang="de-CH" dirty="0"/>
+          </a:p>
+        </p:txBody>
+      </p:sp>
+      <p:pic>
+        <p:nvPicPr>
+          <p:cNvPr id="5" name="Grafik 4"/>
+          <p:cNvPicPr>
+            <a:picLocks noChangeAspect="1"/>
+          </p:cNvPicPr>
+          <p:nvPr/>
+        </p:nvPicPr>
+        <p:blipFill>
+          <a:blip r:embed="rId2"/>
+          <a:stretch>
+            <a:fillRect/>
+          </a:stretch>
+        </p:blipFill>
+        <p:spPr>
+          <a:xfrm>
+            <a:off x="128228" y="2132856"/>
+            <a:ext cx="9015772" cy="3624238"/>
+          </a:xfrm>
+          <a:prstGeom prst="rect">
+            <a:avLst/>
+          </a:prstGeom>
+        </p:spPr>
+      </p:pic>
     </p:spTree>
+  </p:cSld>
+  <p:clrMapOvr>
+    <a:masterClrMapping/>
+  </p:clrMapOvr>
+  <p:timing>
+    <p:tnLst>
+      <p:par>
+        <p:cTn id="1" dur="indefinite" restart="never" nodeType="tmRoot"/>
+      </p:par>
+    </p:tnLst>
+  </p:timing>
+</p:sld>
+</file>
+
+<file path=ppt/slides/slide6.xml><?xml version="1.0" encoding="utf-8"?>
+<p:sld xmlns:a="http://schemas.openxmlformats.org/drawingml/2006/main" xmlns:r="http://schemas.openxmlformats.org/officeDocument/2006/relationships" xmlns:p="http://schemas.openxmlformats.org/presentationml/2006/main">
+  <p:cSld>
+    <p:spTree>
+      <p:nvGrpSpPr>
+        <p:cNvPr id="1" name=""/>
+        <p:cNvGrpSpPr/>
+        <p:nvPr/>
+      </p:nvGrpSpPr>
+      <p:grpSpPr>
+        <a:xfrm>
+          <a:off x="0" y="0"/>
+          <a:ext cx="0" cy="0"/>
+          <a:chOff x="0" y="0"/>
+          <a:chExt cx="0" cy="0"/>
+        </a:xfrm>
+      </p:grpSpPr>
+      <p:sp>
+        <p:nvSpPr>
+          <p:cNvPr id="2" name="Titel 1"/>
+          <p:cNvSpPr>
+            <a:spLocks noGrp="1"/>
+          </p:cNvSpPr>
+          <p:nvPr>
+            <p:ph type="title"/>
+          </p:nvPr>
+        </p:nvSpPr>
+        <p:spPr/>
+        <p:txBody>
+          <a:bodyPr/>
+          <a:lstStyle/>
+          <a:p>
+            <a:r>
+              <a:rPr lang="de-CH" dirty="0" smtClean="0"/>
+              <a:t>Bedrohungsmodell - Defense</a:t>
+            </a:r>
+            <a:endParaRPr lang="de-CH" dirty="0"/>
+          </a:p>
+        </p:txBody>
+      </p:sp>
+      <p:sp>
+        <p:nvSpPr>
+          <p:cNvPr id="3" name="Inhaltsplatzhalter 2"/>
+          <p:cNvSpPr>
+            <a:spLocks noGrp="1"/>
+          </p:cNvSpPr>
+          <p:nvPr>
+            <p:ph idx="1"/>
+          </p:nvPr>
+        </p:nvSpPr>
+        <p:spPr/>
+        <p:txBody>
+          <a:bodyPr>
+            <a:normAutofit/>
+          </a:bodyPr>
+          <a:lstStyle/>
+          <a:p>
+            <a:r>
+              <a:rPr lang="de-CH" dirty="0"/>
+              <a:t>ICMP ‘</a:t>
+            </a:r>
+            <a:r>
+              <a:rPr lang="de-CH" dirty="0" err="1"/>
+              <a:t>smurf</a:t>
+            </a:r>
+            <a:r>
+              <a:rPr lang="de-CH" dirty="0"/>
+              <a:t> </a:t>
+            </a:r>
+            <a:r>
+              <a:rPr lang="de-CH" dirty="0" err="1"/>
+              <a:t>attack</a:t>
+            </a:r>
+            <a:r>
+              <a:rPr lang="de-CH" dirty="0"/>
+              <a:t>’: </a:t>
+            </a:r>
+            <a:r>
+              <a:rPr lang="de-CH" dirty="0" err="1"/>
+              <a:t>Denial</a:t>
+            </a:r>
+            <a:r>
+              <a:rPr lang="de-CH" dirty="0"/>
+              <a:t> </a:t>
+            </a:r>
+            <a:r>
+              <a:rPr lang="de-CH" dirty="0" err="1"/>
+              <a:t>of</a:t>
+            </a:r>
+            <a:r>
+              <a:rPr lang="de-CH" dirty="0"/>
+              <a:t> Service</a:t>
+            </a:r>
+          </a:p>
+          <a:p>
+            <a:pPr lvl="1"/>
+            <a:r>
+              <a:rPr lang="de-CH" dirty="0" smtClean="0"/>
+              <a:t>ACL: ICMP Pakete blockieren</a:t>
+            </a:r>
+          </a:p>
+          <a:p>
+            <a:r>
+              <a:rPr lang="de-CH" dirty="0" smtClean="0"/>
+              <a:t>TCP </a:t>
+            </a:r>
+            <a:r>
+              <a:rPr lang="de-CH" dirty="0" err="1"/>
+              <a:t>DoS</a:t>
+            </a:r>
+            <a:r>
+              <a:rPr lang="de-CH" dirty="0"/>
+              <a:t> (SYN-</a:t>
+            </a:r>
+            <a:r>
+              <a:rPr lang="de-CH" dirty="0" err="1"/>
+              <a:t>Flooding</a:t>
+            </a:r>
+            <a:r>
+              <a:rPr lang="de-CH" dirty="0" smtClean="0"/>
+              <a:t>)</a:t>
+            </a:r>
+          </a:p>
+          <a:p>
+            <a:pPr lvl="1"/>
+            <a:r>
+              <a:rPr lang="en-US" dirty="0"/>
+              <a:t>SYN </a:t>
+            </a:r>
+            <a:r>
+              <a:rPr lang="en-US" dirty="0" smtClean="0"/>
+              <a:t>Cookies</a:t>
+            </a:r>
+          </a:p>
+          <a:p>
+            <a:r>
+              <a:rPr lang="de-CH" dirty="0" err="1" smtClean="0"/>
+              <a:t>Rogue</a:t>
+            </a:r>
+            <a:r>
+              <a:rPr lang="de-CH" dirty="0" smtClean="0"/>
+              <a:t> </a:t>
+            </a:r>
+            <a:r>
+              <a:rPr lang="de-CH" dirty="0"/>
+              <a:t>DHCP</a:t>
+            </a:r>
+          </a:p>
+          <a:p>
+            <a:pPr lvl="1"/>
+            <a:r>
+              <a:rPr lang="de-CH" dirty="0"/>
+              <a:t>ACL: </a:t>
+            </a:r>
+            <a:r>
+              <a:rPr lang="de-CH" dirty="0" smtClean="0"/>
+              <a:t>Port </a:t>
+            </a:r>
+            <a:r>
+              <a:rPr lang="de-CH" dirty="0"/>
+              <a:t>68 </a:t>
+            </a:r>
+            <a:r>
+              <a:rPr lang="de-CH" dirty="0" smtClean="0"/>
+              <a:t>für </a:t>
+            </a:r>
+            <a:r>
+              <a:rPr lang="de-CH" dirty="0"/>
+              <a:t>DHCP </a:t>
+            </a:r>
+            <a:r>
+              <a:rPr lang="de-CH" dirty="0" smtClean="0"/>
+              <a:t>Antworten blockieren</a:t>
+            </a:r>
+            <a:endParaRPr lang="de-CH" dirty="0"/>
+          </a:p>
+        </p:txBody>
+      </p:sp>
+    </p:spTree>
+    <p:extLst>
+      <p:ext uri="{BB962C8B-B14F-4D97-AF65-F5344CB8AC3E}">
+        <p14:creationId xmlns:p14="http://schemas.microsoft.com/office/powerpoint/2010/main" val="2103185437"/>
+      </p:ext>
+    </p:extLst>
+  </p:cSld>
+  <p:clrMapOvr>
+    <a:masterClrMapping/>
+  </p:clrMapOvr>
+  <p:timing>
+    <p:tnLst>
+      <p:par>
+        <p:cTn id="1" dur="indefinite" restart="never" nodeType="tmRoot">
+          <p:childTnLst>
+            <p:seq concurrent="1" nextAc="seek">
+              <p:cTn id="2" dur="indefinite" nodeType="mainSeq">
+                <p:childTnLst>
+                  <p:par>
+                    <p:cTn id="3" fill="hold">
+                      <p:stCondLst>
+                        <p:cond delay="indefinite"/>
+                      </p:stCondLst>
+                      <p:childTnLst>
+                        <p:par>
+                          <p:cTn id="4" fill="hold">
+                            <p:stCondLst>
+                              <p:cond delay="0"/>
+                            </p:stCondLst>
+                            <p:childTnLst>
+                              <p:par>
+                                <p:cTn id="5" presetID="1" presetClass="entr" presetSubtype="0" fill="hold" nodeType="clickEffect">
+                                  <p:stCondLst>
+                                    <p:cond delay="0"/>
+                                  </p:stCondLst>
+                                  <p:childTnLst>
+                                    <p:set>
+                                      <p:cBhvr>
+                                        <p:cTn id="6" dur="1" fill="hold">
+                                          <p:stCondLst>
+                                            <p:cond delay="0"/>
+                                          </p:stCondLst>
+                                        </p:cTn>
+                                        <p:tgtEl>
+                                          <p:spTgt spid="3">
+                                            <p:txEl>
+                                              <p:pRg st="0" end="0"/>
+                                            </p:txEl>
+                                          </p:spTgt>
+                                        </p:tgtEl>
+                                        <p:attrNameLst>
+                                          <p:attrName>style.visibility</p:attrName>
+                                        </p:attrNameLst>
+                                      </p:cBhvr>
+                                      <p:to>
+                                        <p:strVal val="visible"/>
+                                      </p:to>
+                                    </p:set>
+                                  </p:childTnLst>
+                                </p:cTn>
+                              </p:par>
+                              <p:par>
+                                <p:cTn id="7" presetID="1" presetClass="entr" presetSubtype="0" fill="hold" nodeType="withEffect">
+                                  <p:stCondLst>
+                                    <p:cond delay="0"/>
+                                  </p:stCondLst>
+                                  <p:childTnLst>
+                                    <p:set>
+                                      <p:cBhvr>
+                                        <p:cTn id="8" dur="1" fill="hold">
+                                          <p:stCondLst>
+                                            <p:cond delay="0"/>
+                                          </p:stCondLst>
+                                        </p:cTn>
+                                        <p:tgtEl>
+                                          <p:spTgt spid="3">
+                                            <p:txEl>
+                                              <p:pRg st="1" end="1"/>
+                                            </p:txEl>
+                                          </p:spTgt>
+                                        </p:tgtEl>
+                                        <p:attrNameLst>
+                                          <p:attrName>style.visibility</p:attrName>
+                                        </p:attrNameLst>
+                                      </p:cBhvr>
+                                      <p:to>
+                                        <p:strVal val="visible"/>
+                                      </p:to>
+                                    </p:set>
+                                  </p:childTnLst>
+                                </p:cTn>
+                              </p:par>
+                            </p:childTnLst>
+                          </p:cTn>
+                        </p:par>
+                      </p:childTnLst>
+                    </p:cTn>
+                  </p:par>
+                  <p:par>
+                    <p:cTn id="9" fill="hold">
+                      <p:stCondLst>
+                        <p:cond delay="indefinite"/>
+                      </p:stCondLst>
+                      <p:childTnLst>
+                        <p:par>
+                          <p:cTn id="10" fill="hold">
+                            <p:stCondLst>
+                              <p:cond delay="0"/>
+                            </p:stCondLst>
+                            <p:childTnLst>
+                              <p:par>
+                                <p:cTn id="11" presetID="1" presetClass="entr" presetSubtype="0" fill="hold" nodeType="clickEffect">
+                                  <p:stCondLst>
+                                    <p:cond delay="0"/>
+                                  </p:stCondLst>
+                                  <p:childTnLst>
+                                    <p:set>
+                                      <p:cBhvr>
+                                        <p:cTn id="12" dur="1" fill="hold">
+                                          <p:stCondLst>
+                                            <p:cond delay="0"/>
+                                          </p:stCondLst>
+                                        </p:cTn>
+                                        <p:tgtEl>
+                                          <p:spTgt spid="3">
+                                            <p:txEl>
+                                              <p:pRg st="2" end="2"/>
+                                            </p:txEl>
+                                          </p:spTgt>
+                                        </p:tgtEl>
+                                        <p:attrNameLst>
+                                          <p:attrName>style.visibility</p:attrName>
+                                        </p:attrNameLst>
+                                      </p:cBhvr>
+                                      <p:to>
+                                        <p:strVal val="visible"/>
+                                      </p:to>
+                                    </p:set>
+                                  </p:childTnLst>
+                                </p:cTn>
+                              </p:par>
+                              <p:par>
+                                <p:cTn id="13" presetID="1" presetClass="entr" presetSubtype="0" fill="hold" nodeType="withEffect">
+                                  <p:stCondLst>
+                                    <p:cond delay="0"/>
+                                  </p:stCondLst>
+                                  <p:childTnLst>
+                                    <p:set>
+                                      <p:cBhvr>
+                                        <p:cTn id="14" dur="1" fill="hold">
+                                          <p:stCondLst>
+                                            <p:cond delay="0"/>
+                                          </p:stCondLst>
+                                        </p:cTn>
+                                        <p:tgtEl>
+                                          <p:spTgt spid="3">
+                                            <p:txEl>
+                                              <p:pRg st="3" end="3"/>
+                                            </p:txEl>
+                                          </p:spTgt>
+                                        </p:tgtEl>
+                                        <p:attrNameLst>
+                                          <p:attrName>style.visibility</p:attrName>
+                                        </p:attrNameLst>
+                                      </p:cBhvr>
+                                      <p:to>
+                                        <p:strVal val="visible"/>
+                                      </p:to>
+                                    </p:set>
+                                  </p:childTnLst>
+                                </p:cTn>
+                              </p:par>
+                            </p:childTnLst>
+                          </p:cTn>
+                        </p:par>
+                      </p:childTnLst>
+                    </p:cTn>
+                  </p:par>
+                  <p:par>
+                    <p:cTn id="15" fill="hold">
+                      <p:stCondLst>
+                        <p:cond delay="indefinite"/>
+                      </p:stCondLst>
+                      <p:childTnLst>
+                        <p:par>
+                          <p:cTn id="16" fill="hold">
+                            <p:stCondLst>
+                              <p:cond delay="0"/>
+                            </p:stCondLst>
+                            <p:childTnLst>
+                              <p:par>
+                                <p:cTn id="17" presetID="1" presetClass="entr" presetSubtype="0" fill="hold" nodeType="clickEffect">
+                                  <p:stCondLst>
+                                    <p:cond delay="0"/>
+                                  </p:stCondLst>
+                                  <p:childTnLst>
+                                    <p:set>
+                                      <p:cBhvr>
+                                        <p:cTn id="18" dur="1" fill="hold">
+                                          <p:stCondLst>
+                                            <p:cond delay="0"/>
+                                          </p:stCondLst>
+                                        </p:cTn>
+                                        <p:tgtEl>
+                                          <p:spTgt spid="3">
+                                            <p:txEl>
+                                              <p:pRg st="4" end="4"/>
+                                            </p:txEl>
+                                          </p:spTgt>
+                                        </p:tgtEl>
+                                        <p:attrNameLst>
+                                          <p:attrName>style.visibility</p:attrName>
+                                        </p:attrNameLst>
+                                      </p:cBhvr>
+                                      <p:to>
+                                        <p:strVal val="visible"/>
+                                      </p:to>
+                                    </p:set>
+                                  </p:childTnLst>
+                                </p:cTn>
+                              </p:par>
+                              <p:par>
+                                <p:cTn id="19" presetID="1" presetClass="entr" presetSubtype="0" fill="hold" nodeType="withEffect">
+                                  <p:stCondLst>
+                                    <p:cond delay="0"/>
+                                  </p:stCondLst>
+                                  <p:childTnLst>
+                                    <p:set>
+                                      <p:cBhvr>
+                                        <p:cTn id="20" dur="1" fill="hold">
+                                          <p:stCondLst>
+                                            <p:cond delay="0"/>
+                                          </p:stCondLst>
+                                        </p:cTn>
+                                        <p:tgtEl>
+                                          <p:spTgt spid="3">
+                                            <p:txEl>
+                                              <p:pRg st="5" end="5"/>
+                                            </p:txEl>
+                                          </p:spTgt>
+                                        </p:tgtEl>
+                                        <p:attrNameLst>
+                                          <p:attrName>style.visibility</p:attrName>
+                                        </p:attrNameLst>
+                                      </p:cBhvr>
+                                      <p:to>
+                                        <p:strVal val="visible"/>
+                                      </p:to>
+                                    </p:set>
+                                  </p:childTnLst>
+                                </p:cTn>
+                              </p:par>
+                            </p:childTnLst>
+                          </p:cTn>
+                        </p:par>
+                      </p:childTnLst>
+                    </p:cTn>
+                  </p:par>
+                </p:childTnLst>
+              </p:cTn>
+              <p:prevCondLst>
+                <p:cond evt="onPrev" delay="0">
+                  <p:tgtEl>
+                    <p:sldTgt/>
+                  </p:tgtEl>
+                </p:cond>
+              </p:prevCondLst>
+              <p:nextCondLst>
+                <p:cond evt="onNext" delay="0">
+                  <p:tgtEl>
+                    <p:sldTgt/>
+                  </p:tgtEl>
+                </p:cond>
+              </p:nextCondLst>
+            </p:seq>
+          </p:childTnLst>
+        </p:cTn>
+      </p:par>
+    </p:tnLst>
+  </p:timing>
+</p:sld>
+</file>
+
+<file path=ppt/slides/slide7.xml><?xml version="1.0" encoding="utf-8"?>
+<p:sld xmlns:a="http://schemas.openxmlformats.org/drawingml/2006/main" xmlns:r="http://schemas.openxmlformats.org/officeDocument/2006/relationships" xmlns:p="http://schemas.openxmlformats.org/presentationml/2006/main">
+  <p:cSld>
+    <p:spTree>
+      <p:nvGrpSpPr>
+        <p:cNvPr id="1" name=""/>
+        <p:cNvGrpSpPr/>
+        <p:nvPr/>
+      </p:nvGrpSpPr>
+      <p:grpSpPr>
+        <a:xfrm>
+          <a:off x="0" y="0"/>
+          <a:ext cx="0" cy="0"/>
+          <a:chOff x="0" y="0"/>
+          <a:chExt cx="0" cy="0"/>
+        </a:xfrm>
+      </p:grpSpPr>
+      <p:sp>
+        <p:nvSpPr>
+          <p:cNvPr id="2" name="Titel 1"/>
+          <p:cNvSpPr>
+            <a:spLocks noGrp="1"/>
+          </p:cNvSpPr>
+          <p:nvPr>
+            <p:ph type="title"/>
+          </p:nvPr>
+        </p:nvSpPr>
+        <p:spPr>
+          <a:xfrm>
+            <a:off x="467544" y="2132856"/>
+            <a:ext cx="8229600" cy="2007096"/>
+          </a:xfrm>
+        </p:spPr>
+        <p:txBody>
+          <a:bodyPr/>
+          <a:lstStyle/>
+          <a:p>
+            <a:r>
+              <a:rPr lang="de-CH" sz="7200" dirty="0" smtClean="0"/>
+              <a:t>Demo</a:t>
+            </a:r>
+            <a:endParaRPr lang="de-CH" sz="7200" dirty="0"/>
+          </a:p>
+        </p:txBody>
+      </p:sp>
+    </p:spTree>
+    <p:extLst>
+      <p:ext uri="{BB962C8B-B14F-4D97-AF65-F5344CB8AC3E}">
+        <p14:creationId xmlns:p14="http://schemas.microsoft.com/office/powerpoint/2010/main" val="655262396"/>
+      </p:ext>
+    </p:extLst>
   </p:cSld>
   <p:clrMapOvr>
     <a:masterClrMapping/>

--- a/Phase1/Demo1.pptx
+++ b/Phase1/Demo1.pptx
@@ -311,7 +311,7 @@
             <a:fld id="{1BA50D42-C9CD-4801-B293-61D1F53EC57E}" type="datetimeFigureOut">
               <a:rPr lang="de-DE" smtClean="0"/>
               <a:pPr/>
-              <a:t>17.03.2013</a:t>
+              <a:t>18.03.2013</a:t>
             </a:fld>
             <a:endParaRPr lang="de-DE"/>
           </a:p>
@@ -478,7 +478,7 @@
             <a:fld id="{1BA50D42-C9CD-4801-B293-61D1F53EC57E}" type="datetimeFigureOut">
               <a:rPr lang="de-DE" smtClean="0"/>
               <a:pPr/>
-              <a:t>17.03.2013</a:t>
+              <a:t>18.03.2013</a:t>
             </a:fld>
             <a:endParaRPr lang="de-DE"/>
           </a:p>
@@ -655,7 +655,7 @@
             <a:fld id="{1BA50D42-C9CD-4801-B293-61D1F53EC57E}" type="datetimeFigureOut">
               <a:rPr lang="de-DE" smtClean="0"/>
               <a:pPr/>
-              <a:t>17.03.2013</a:t>
+              <a:t>18.03.2013</a:t>
             </a:fld>
             <a:endParaRPr lang="de-DE"/>
           </a:p>
@@ -822,7 +822,7 @@
             <a:fld id="{1BA50D42-C9CD-4801-B293-61D1F53EC57E}" type="datetimeFigureOut">
               <a:rPr lang="de-DE" smtClean="0"/>
               <a:pPr/>
-              <a:t>17.03.2013</a:t>
+              <a:t>18.03.2013</a:t>
             </a:fld>
             <a:endParaRPr lang="de-DE"/>
           </a:p>
@@ -1065,7 +1065,7 @@
             <a:fld id="{1BA50D42-C9CD-4801-B293-61D1F53EC57E}" type="datetimeFigureOut">
               <a:rPr lang="de-DE" smtClean="0"/>
               <a:pPr/>
-              <a:t>17.03.2013</a:t>
+              <a:t>18.03.2013</a:t>
             </a:fld>
             <a:endParaRPr lang="de-DE"/>
           </a:p>
@@ -1350,7 +1350,7 @@
             <a:fld id="{1BA50D42-C9CD-4801-B293-61D1F53EC57E}" type="datetimeFigureOut">
               <a:rPr lang="de-DE" smtClean="0"/>
               <a:pPr/>
-              <a:t>17.03.2013</a:t>
+              <a:t>18.03.2013</a:t>
             </a:fld>
             <a:endParaRPr lang="de-DE"/>
           </a:p>
@@ -1769,7 +1769,7 @@
             <a:fld id="{1BA50D42-C9CD-4801-B293-61D1F53EC57E}" type="datetimeFigureOut">
               <a:rPr lang="de-DE" smtClean="0"/>
               <a:pPr/>
-              <a:t>17.03.2013</a:t>
+              <a:t>18.03.2013</a:t>
             </a:fld>
             <a:endParaRPr lang="de-DE"/>
           </a:p>
@@ -1884,7 +1884,7 @@
             <a:fld id="{1BA50D42-C9CD-4801-B293-61D1F53EC57E}" type="datetimeFigureOut">
               <a:rPr lang="de-DE" smtClean="0"/>
               <a:pPr/>
-              <a:t>17.03.2013</a:t>
+              <a:t>18.03.2013</a:t>
             </a:fld>
             <a:endParaRPr lang="de-DE"/>
           </a:p>
@@ -1976,7 +1976,7 @@
             <a:fld id="{1BA50D42-C9CD-4801-B293-61D1F53EC57E}" type="datetimeFigureOut">
               <a:rPr lang="de-DE" smtClean="0"/>
               <a:pPr/>
-              <a:t>17.03.2013</a:t>
+              <a:t>18.03.2013</a:t>
             </a:fld>
             <a:endParaRPr lang="de-DE"/>
           </a:p>
@@ -2250,7 +2250,7 @@
             <a:fld id="{1BA50D42-C9CD-4801-B293-61D1F53EC57E}" type="datetimeFigureOut">
               <a:rPr lang="de-DE" smtClean="0"/>
               <a:pPr/>
-              <a:t>17.03.2013</a:t>
+              <a:t>18.03.2013</a:t>
             </a:fld>
             <a:endParaRPr lang="de-DE"/>
           </a:p>
@@ -2500,7 +2500,7 @@
             <a:fld id="{1BA50D42-C9CD-4801-B293-61D1F53EC57E}" type="datetimeFigureOut">
               <a:rPr lang="de-DE" smtClean="0"/>
               <a:pPr/>
-              <a:t>17.03.2013</a:t>
+              <a:t>18.03.2013</a:t>
             </a:fld>
             <a:endParaRPr lang="de-DE"/>
           </a:p>
@@ -2710,7 +2710,7 @@
             <a:fld id="{1BA50D42-C9CD-4801-B293-61D1F53EC57E}" type="datetimeFigureOut">
               <a:rPr lang="de-DE" smtClean="0"/>
               <a:pPr/>
-              <a:t>17.03.2013</a:t>
+              <a:t>18.03.2013</a:t>
             </a:fld>
             <a:endParaRPr lang="de-DE"/>
           </a:p>
@@ -3117,10 +3117,6 @@
               <a:rPr lang="de-CH" dirty="0" smtClean="0"/>
               <a:t> </a:t>
             </a:r>
-            <a:r>
-              <a:rPr lang="de-CH" dirty="0" smtClean="0"/>
-              <a:t/>
-            </a:r>
             <a:br>
               <a:rPr lang="de-CH" dirty="0" smtClean="0"/>
             </a:br>
@@ -3266,7 +3262,6 @@
               <a:rPr lang="de-CH" dirty="0" smtClean="0"/>
               <a:t>Bedrohungsmodell</a:t>
             </a:r>
-            <a:endParaRPr lang="de-CH" dirty="0" smtClean="0"/>
           </a:p>
           <a:p>
             <a:pPr lvl="1"/>
@@ -3281,7 +3276,6 @@
               <a:rPr lang="de-CH" dirty="0" smtClean="0"/>
               <a:t>Priorisierung</a:t>
             </a:r>
-            <a:endParaRPr lang="de-CH" dirty="0" smtClean="0"/>
           </a:p>
           <a:p>
             <a:pPr lvl="1"/>
@@ -5973,7 +5967,7 @@
       </p:sp>
       <p:sp>
         <p:nvSpPr>
-          <p:cNvPr id="3" name="Inhaltsplatzhalter 2"/>
+          <p:cNvPr id="6" name="Inhaltsplatzhalter 5"/>
           <p:cNvSpPr>
             <a:spLocks noGrp="1"/>
           </p:cNvSpPr>
@@ -5986,13 +5980,13 @@
           <a:bodyPr/>
           <a:lstStyle/>
           <a:p>
-            <a:endParaRPr lang="de-CH" dirty="0"/>
+            <a:endParaRPr lang="de-CH"/>
           </a:p>
         </p:txBody>
       </p:sp>
       <p:pic>
         <p:nvPicPr>
-          <p:cNvPr id="5" name="Grafik 4"/>
+          <p:cNvPr id="8" name="Grafik 7"/>
           <p:cNvPicPr>
             <a:picLocks noChangeAspect="1"/>
           </p:cNvPicPr>
@@ -6006,8 +6000,8 @@
         </p:blipFill>
         <p:spPr>
           <a:xfrm>
-            <a:off x="128228" y="2132856"/>
-            <a:ext cx="9015772" cy="3624238"/>
+            <a:off x="140742" y="1604393"/>
+            <a:ext cx="8862516" cy="3829223"/>
           </a:xfrm>
           <a:prstGeom prst="rect">
             <a:avLst/>
@@ -6082,7 +6076,7 @@
         <p:spPr/>
         <p:txBody>
           <a:bodyPr>
-            <a:normAutofit/>
+            <a:normAutofit fontScale="92500" lnSpcReduction="20000"/>
           </a:bodyPr>
           <a:lstStyle/>
           <a:p>
@@ -6133,6 +6127,25 @@
           <a:p>
             <a:r>
               <a:rPr lang="de-CH" dirty="0" smtClean="0"/>
+              <a:t>IP </a:t>
+            </a:r>
+            <a:r>
+              <a:rPr lang="de-CH" dirty="0" err="1" smtClean="0"/>
+              <a:t>spoofing</a:t>
+            </a:r>
+            <a:endParaRPr lang="de-CH" dirty="0" smtClean="0"/>
+          </a:p>
+          <a:p>
+            <a:pPr lvl="1"/>
+            <a:r>
+              <a:rPr lang="pt-BR" dirty="0" smtClean="0"/>
+              <a:t>Verify reverse-path</a:t>
+            </a:r>
+            <a:endParaRPr lang="de-CH" dirty="0"/>
+          </a:p>
+          <a:p>
+            <a:r>
+              <a:rPr lang="de-CH" dirty="0" smtClean="0"/>
               <a:t>TCP </a:t>
             </a:r>
             <a:r>
@@ -6162,6 +6175,38 @@
               <a:rPr lang="en-US" dirty="0" smtClean="0"/>
               <a:t>Cookies</a:t>
             </a:r>
+          </a:p>
+          <a:p>
+            <a:pPr lvl="1"/>
+            <a:r>
+              <a:rPr lang="fr-FR" dirty="0" err="1" smtClean="0"/>
+              <a:t>connection</a:t>
+            </a:r>
+            <a:r>
+              <a:rPr lang="fr-FR" dirty="0" smtClean="0"/>
+              <a:t> </a:t>
+            </a:r>
+            <a:r>
+              <a:rPr lang="fr-FR" dirty="0" err="1" smtClean="0"/>
+              <a:t>conn</a:t>
+            </a:r>
+            <a:r>
+              <a:rPr lang="fr-FR" dirty="0" smtClean="0"/>
+              <a:t>-max</a:t>
+            </a:r>
+            <a:endParaRPr lang="fr-FR" dirty="0"/>
+          </a:p>
+          <a:p>
+            <a:pPr lvl="1"/>
+            <a:r>
+              <a:rPr lang="fr-FR" dirty="0" err="1" smtClean="0"/>
+              <a:t>connection</a:t>
+            </a:r>
+            <a:r>
+              <a:rPr lang="fr-FR" dirty="0" smtClean="0"/>
+              <a:t> timeout</a:t>
+            </a:r>
+            <a:endParaRPr lang="en-US" dirty="0"/>
           </a:p>
           <a:p>
             <a:r>
@@ -6445,6 +6490,148 @@
                                           <p:spTgt spid="3">
                                             <p:txEl>
                                               <p:pRg st="5" end="5"/>
+                                            </p:txEl>
+                                          </p:spTgt>
+                                        </p:tgtEl>
+                                        <p:attrNameLst>
+                                          <p:attrName>style.visibility</p:attrName>
+                                        </p:attrNameLst>
+                                      </p:cBhvr>
+                                      <p:to>
+                                        <p:strVal val="visible"/>
+                                      </p:to>
+                                    </p:set>
+                                  </p:childTnLst>
+                                </p:cTn>
+                              </p:par>
+                              <p:par>
+                                <p:cTn id="21" presetID="1" presetClass="entr" presetSubtype="0" fill="hold" nodeType="withEffect">
+                                  <p:stCondLst>
+                                    <p:cond delay="0"/>
+                                  </p:stCondLst>
+                                  <p:childTnLst>
+                                    <p:set>
+                                      <p:cBhvr>
+                                        <p:cTn id="22" dur="1" fill="hold">
+                                          <p:stCondLst>
+                                            <p:cond delay="0"/>
+                                          </p:stCondLst>
+                                        </p:cTn>
+                                        <p:tgtEl>
+                                          <p:spTgt spid="3">
+                                            <p:txEl>
+                                              <p:pRg st="6" end="6"/>
+                                            </p:txEl>
+                                          </p:spTgt>
+                                        </p:tgtEl>
+                                        <p:attrNameLst>
+                                          <p:attrName>style.visibility</p:attrName>
+                                        </p:attrNameLst>
+                                      </p:cBhvr>
+                                      <p:to>
+                                        <p:strVal val="visible"/>
+                                      </p:to>
+                                    </p:set>
+                                  </p:childTnLst>
+                                </p:cTn>
+                              </p:par>
+                              <p:par>
+                                <p:cTn id="23" presetID="1" presetClass="entr" presetSubtype="0" fill="hold" nodeType="withEffect">
+                                  <p:stCondLst>
+                                    <p:cond delay="0"/>
+                                  </p:stCondLst>
+                                  <p:childTnLst>
+                                    <p:set>
+                                      <p:cBhvr>
+                                        <p:cTn id="24" dur="1" fill="hold">
+                                          <p:stCondLst>
+                                            <p:cond delay="0"/>
+                                          </p:stCondLst>
+                                        </p:cTn>
+                                        <p:tgtEl>
+                                          <p:spTgt spid="3">
+                                            <p:txEl>
+                                              <p:pRg st="7" end="7"/>
+                                            </p:txEl>
+                                          </p:spTgt>
+                                        </p:tgtEl>
+                                        <p:attrNameLst>
+                                          <p:attrName>style.visibility</p:attrName>
+                                        </p:attrNameLst>
+                                      </p:cBhvr>
+                                      <p:to>
+                                        <p:strVal val="visible"/>
+                                      </p:to>
+                                    </p:set>
+                                  </p:childTnLst>
+                                </p:cTn>
+                              </p:par>
+                            </p:childTnLst>
+                          </p:cTn>
+                        </p:par>
+                      </p:childTnLst>
+                    </p:cTn>
+                  </p:par>
+                  <p:par>
+                    <p:cTn id="25" fill="hold">
+                      <p:stCondLst>
+                        <p:cond delay="indefinite"/>
+                      </p:stCondLst>
+                      <p:childTnLst>
+                        <p:par>
+                          <p:cTn id="26" fill="hold">
+                            <p:stCondLst>
+                              <p:cond delay="0"/>
+                            </p:stCondLst>
+                            <p:childTnLst>
+                              <p:par>
+                                <p:cTn id="27" presetID="1" presetClass="entr" presetSubtype="0" fill="hold" nodeType="clickEffect">
+                                  <p:stCondLst>
+                                    <p:cond delay="0"/>
+                                  </p:stCondLst>
+                                  <p:childTnLst>
+                                    <p:set>
+                                      <p:cBhvr>
+                                        <p:cTn id="28" dur="1" fill="hold">
+                                          <p:stCondLst>
+                                            <p:cond delay="0"/>
+                                          </p:stCondLst>
+                                        </p:cTn>
+                                        <p:tgtEl>
+                                          <p:spTgt spid="3">
+                                            <p:txEl>
+                                              <p:pRg st="8" end="8"/>
+                                            </p:txEl>
+                                          </p:spTgt>
+                                        </p:tgtEl>
+                                        <p:attrNameLst>
+                                          <p:attrName>style.visibility</p:attrName>
+                                        </p:attrNameLst>
+                                      </p:cBhvr>
+                                      <p:to>
+                                        <p:strVal val="visible"/>
+                                      </p:to>
+                                    </p:set>
+                                  </p:childTnLst>
+                                </p:cTn>
+                              </p:par>
+                              <p:par>
+                                <p:cTn id="29" presetID="1" presetClass="entr" presetSubtype="0" fill="hold" nodeType="withEffect">
+                                  <p:stCondLst>
+                                    <p:cond delay="0"/>
+                                  </p:stCondLst>
+                                  <p:childTnLst>
+                                    <p:set>
+                                      <p:cBhvr>
+                                        <p:cTn id="30" dur="1" fill="hold">
+                                          <p:stCondLst>
+                                            <p:cond delay="0"/>
+                                          </p:stCondLst>
+                                        </p:cTn>
+                                        <p:tgtEl>
+                                          <p:spTgt spid="3">
+                                            <p:txEl>
+                                              <p:pRg st="9" end="9"/>
                                             </p:txEl>
                                           </p:spTgt>
                                         </p:tgtEl>

--- a/Phase1/Demo1.pptx
+++ b/Phase1/Demo1.pptx
@@ -8,10 +8,11 @@
     <p:sldId id="256" r:id="rId2"/>
     <p:sldId id="258" r:id="rId3"/>
     <p:sldId id="257" r:id="rId4"/>
-    <p:sldId id="260" r:id="rId5"/>
-    <p:sldId id="259" r:id="rId6"/>
-    <p:sldId id="261" r:id="rId7"/>
-    <p:sldId id="262" r:id="rId8"/>
+    <p:sldId id="263" r:id="rId5"/>
+    <p:sldId id="260" r:id="rId6"/>
+    <p:sldId id="259" r:id="rId7"/>
+    <p:sldId id="261" r:id="rId8"/>
+    <p:sldId id="262" r:id="rId9"/>
   </p:sldIdLst>
   <p:sldSz cx="9144000" cy="6858000" type="screen4x3"/>
   <p:notesSz cx="6858000" cy="9144000"/>
@@ -112,7 +113,7 @@
   </p:defaultTextStyle>
   <p:extLst>
     <p:ext uri="{EFAFB233-063F-42B5-8137-9DF3F51BA10A}">
-      <p15:sldGuideLst xmlns:p15="http://schemas.microsoft.com/office/powerpoint/2012/main">
+      <p15:sldGuideLst xmlns:p15="http://schemas.microsoft.com/office/powerpoint/2012/main" xmlns="">
         <p15:guide id="1" orient="horz" pos="2160">
           <p15:clr>
             <a:srgbClr val="A4A3A4"/>
@@ -3227,7 +3228,7 @@
         <p:spPr/>
         <p:txBody>
           <a:bodyPr>
-            <a:normAutofit lnSpcReduction="10000"/>
+            <a:normAutofit fontScale="92500" lnSpcReduction="20000"/>
           </a:bodyPr>
           <a:lstStyle/>
           <a:p>
@@ -3256,6 +3257,15 @@
               <a:rPr lang="de-CH" dirty="0" smtClean="0"/>
               <a:t>IP-Konzept </a:t>
             </a:r>
+            <a:endParaRPr lang="de-CH" dirty="0" smtClean="0"/>
+          </a:p>
+          <a:p>
+            <a:pPr lvl="1"/>
+            <a:r>
+              <a:rPr lang="de-CH" dirty="0" smtClean="0"/>
+              <a:t>Adressvergabe an Clients</a:t>
+            </a:r>
+            <a:endParaRPr lang="de-CH" dirty="0" smtClean="0"/>
           </a:p>
           <a:p>
             <a:r>
@@ -5323,7 +5333,7 @@
           <a:p>
             <a:r>
               <a:rPr lang="de-CH" dirty="0" smtClean="0"/>
-              <a:t>Bedrohungsmodell - Attacken</a:t>
+              <a:t>Adressvergabe an Clients</a:t>
             </a:r>
             <a:endParaRPr lang="de-CH" dirty="0"/>
           </a:p>
@@ -5348,154 +5358,164 @@
           <a:p>
             <a:r>
               <a:rPr lang="de-CH" dirty="0" smtClean="0"/>
-              <a:t>ICMP </a:t>
-            </a:r>
-            <a:r>
-              <a:rPr lang="de-CH" dirty="0"/>
-              <a:t>‘</a:t>
-            </a:r>
-            <a:r>
-              <a:rPr lang="de-CH" dirty="0" err="1"/>
-              <a:t>smurf</a:t>
-            </a:r>
-            <a:r>
-              <a:rPr lang="de-CH" dirty="0"/>
+              <a:t>IPv4</a:t>
+            </a:r>
+          </a:p>
+          <a:p>
+            <a:pPr lvl="1"/>
+            <a:r>
+              <a:rPr lang="de-CH" dirty="0" smtClean="0"/>
+              <a:t>DHCP</a:t>
+            </a:r>
+          </a:p>
+          <a:p>
+            <a:pPr lvl="1"/>
+            <a:r>
+              <a:rPr lang="de-CH" dirty="0" err="1" smtClean="0">
+                <a:latin typeface="Courier New" pitchFamily="49" charset="0"/>
+                <a:cs typeface="Courier New" pitchFamily="49" charset="0"/>
+              </a:rPr>
+              <a:t>ip</a:t>
+            </a:r>
+            <a:r>
+              <a:rPr lang="de-CH" dirty="0" smtClean="0">
+                <a:latin typeface="Courier New" pitchFamily="49" charset="0"/>
+                <a:cs typeface="Courier New" pitchFamily="49" charset="0"/>
+              </a:rPr>
               <a:t> </a:t>
             </a:r>
             <a:r>
-              <a:rPr lang="de-CH" dirty="0" err="1"/>
-              <a:t>attack</a:t>
-            </a:r>
-            <a:r>
-              <a:rPr lang="de-CH" dirty="0"/>
-              <a:t>’: </a:t>
-            </a:r>
-            <a:r>
-              <a:rPr lang="de-CH" dirty="0" err="1"/>
-              <a:t>Denial</a:t>
-            </a:r>
-            <a:r>
-              <a:rPr lang="de-CH" dirty="0"/>
+              <a:rPr lang="de-CH" dirty="0" err="1" smtClean="0">
+                <a:latin typeface="Courier New" pitchFamily="49" charset="0"/>
+                <a:cs typeface="Courier New" pitchFamily="49" charset="0"/>
+              </a:rPr>
+              <a:t>helper-address</a:t>
+            </a:r>
+            <a:endParaRPr lang="de-CH" dirty="0" smtClean="0">
+              <a:latin typeface="Courier New" pitchFamily="49" charset="0"/>
+              <a:cs typeface="Courier New" pitchFamily="49" charset="0"/>
+            </a:endParaRPr>
+          </a:p>
+          <a:p>
+            <a:r>
+              <a:rPr lang="de-CH" dirty="0" smtClean="0"/>
+              <a:t>IPv6</a:t>
+            </a:r>
+          </a:p>
+          <a:p>
+            <a:pPr lvl="1"/>
+            <a:r>
+              <a:rPr lang="de-CH" dirty="0" smtClean="0"/>
+              <a:t>Autokonfiguration</a:t>
+            </a:r>
+          </a:p>
+          <a:p>
+            <a:pPr lvl="1"/>
+            <a:r>
+              <a:rPr lang="de-CH" dirty="0" smtClean="0"/>
+              <a:t>Router </a:t>
+            </a:r>
+            <a:r>
+              <a:rPr lang="de-CH" dirty="0" err="1" smtClean="0"/>
+              <a:t>Advertisement</a:t>
+            </a:r>
+            <a:endParaRPr lang="de-CH" dirty="0" smtClean="0"/>
+          </a:p>
+          <a:p>
+            <a:pPr lvl="1"/>
+            <a:r>
+              <a:rPr lang="de-CH" dirty="0" smtClean="0"/>
+              <a:t>DNS Server über zustandsloses DHCPv6</a:t>
+            </a:r>
+          </a:p>
+          <a:p>
+            <a:pPr lvl="1"/>
+            <a:r>
+              <a:rPr lang="de-CH" dirty="0" smtClean="0">
+                <a:latin typeface="Courier New" pitchFamily="49" charset="0"/>
+                <a:cs typeface="Courier New" pitchFamily="49" charset="0"/>
+              </a:rPr>
+              <a:t>ipv6 </a:t>
+            </a:r>
+            <a:r>
+              <a:rPr lang="de-CH" dirty="0" err="1" smtClean="0">
+                <a:latin typeface="Courier New" pitchFamily="49" charset="0"/>
+                <a:cs typeface="Courier New" pitchFamily="49" charset="0"/>
+              </a:rPr>
+              <a:t>nd</a:t>
+            </a:r>
+            <a:r>
+              <a:rPr lang="de-CH" dirty="0" smtClean="0">
+                <a:latin typeface="Courier New" pitchFamily="49" charset="0"/>
+                <a:cs typeface="Courier New" pitchFamily="49" charset="0"/>
+              </a:rPr>
               <a:t> </a:t>
             </a:r>
             <a:r>
-              <a:rPr lang="de-CH" dirty="0" err="1"/>
-              <a:t>of</a:t>
-            </a:r>
-            <a:r>
-              <a:rPr lang="de-CH" dirty="0"/>
+              <a:rPr lang="de-CH" dirty="0" err="1" smtClean="0">
+                <a:latin typeface="Courier New" pitchFamily="49" charset="0"/>
+                <a:cs typeface="Courier New" pitchFamily="49" charset="0"/>
+              </a:rPr>
+              <a:t>other-config-flag</a:t>
+            </a:r>
+            <a:endParaRPr lang="de-CH" dirty="0" smtClean="0">
+              <a:latin typeface="Courier New" pitchFamily="49" charset="0"/>
+              <a:cs typeface="Courier New" pitchFamily="49" charset="0"/>
+            </a:endParaRPr>
+          </a:p>
+          <a:p>
+            <a:pPr lvl="1"/>
+            <a:r>
+              <a:rPr lang="de-CH" dirty="0" smtClean="0">
+                <a:latin typeface="Courier New" pitchFamily="49" charset="0"/>
+                <a:cs typeface="Courier New" pitchFamily="49" charset="0"/>
+              </a:rPr>
+              <a:t>ipv6 </a:t>
+            </a:r>
+            <a:r>
+              <a:rPr lang="de-CH" dirty="0" err="1" smtClean="0">
+                <a:latin typeface="Courier New" pitchFamily="49" charset="0"/>
+                <a:cs typeface="Courier New" pitchFamily="49" charset="0"/>
+              </a:rPr>
+              <a:t>dhcp</a:t>
+            </a:r>
+            <a:r>
+              <a:rPr lang="de-CH" dirty="0" smtClean="0">
+                <a:latin typeface="Courier New" pitchFamily="49" charset="0"/>
+                <a:cs typeface="Courier New" pitchFamily="49" charset="0"/>
+              </a:rPr>
               <a:t> </a:t>
             </a:r>
             <a:r>
-              <a:rPr lang="de-CH" dirty="0" smtClean="0"/>
-              <a:t>Service</a:t>
-            </a:r>
-            <a:endParaRPr lang="de-CH" dirty="0"/>
-          </a:p>
-          <a:p>
-            <a:r>
-              <a:rPr lang="de-CH" dirty="0" smtClean="0"/>
-              <a:t>Viren </a:t>
-            </a:r>
-            <a:r>
-              <a:rPr lang="de-CH" dirty="0"/>
-              <a:t>/ Würmer / </a:t>
-            </a:r>
-            <a:r>
-              <a:rPr lang="de-CH" dirty="0" smtClean="0"/>
-              <a:t>Trojaner</a:t>
-            </a:r>
-            <a:endParaRPr lang="de-CH" dirty="0"/>
-          </a:p>
-          <a:p>
-            <a:r>
-              <a:rPr lang="de-CH" dirty="0" smtClean="0"/>
-              <a:t>TCP </a:t>
-            </a:r>
-            <a:r>
-              <a:rPr lang="de-CH" dirty="0" err="1"/>
-              <a:t>DoS</a:t>
-            </a:r>
-            <a:r>
-              <a:rPr lang="de-CH" dirty="0"/>
-              <a:t> (</a:t>
-            </a:r>
-            <a:r>
-              <a:rPr lang="de-CH" dirty="0" smtClean="0"/>
-              <a:t>SYN-</a:t>
-            </a:r>
-            <a:r>
-              <a:rPr lang="de-CH" dirty="0" err="1" smtClean="0"/>
-              <a:t>Flooding</a:t>
-            </a:r>
-            <a:r>
-              <a:rPr lang="de-CH" dirty="0" smtClean="0"/>
-              <a:t>)</a:t>
-            </a:r>
-          </a:p>
-          <a:p>
-            <a:r>
-              <a:rPr lang="de-CH" dirty="0" smtClean="0"/>
-              <a:t>DNS </a:t>
-            </a:r>
-            <a:r>
-              <a:rPr lang="de-CH" dirty="0"/>
-              <a:t>Cache </a:t>
-            </a:r>
-            <a:r>
-              <a:rPr lang="de-CH" dirty="0" err="1" smtClean="0"/>
-              <a:t>poisoning</a:t>
-            </a:r>
-            <a:endParaRPr lang="de-CH" dirty="0"/>
-          </a:p>
-          <a:p>
-            <a:r>
-              <a:rPr lang="de-CH" dirty="0" smtClean="0"/>
-              <a:t>Phishing</a:t>
-            </a:r>
-            <a:endParaRPr lang="de-CH" dirty="0"/>
-          </a:p>
-          <a:p>
-            <a:r>
-              <a:rPr lang="de-CH" dirty="0" err="1" smtClean="0"/>
-              <a:t>Rogue</a:t>
-            </a:r>
-            <a:r>
-              <a:rPr lang="de-CH" dirty="0" smtClean="0"/>
-              <a:t> DHCP</a:t>
-            </a:r>
-            <a:endParaRPr lang="de-CH" dirty="0"/>
-          </a:p>
-          <a:p>
-            <a:r>
-              <a:rPr lang="de-CH" dirty="0" smtClean="0"/>
-              <a:t>MAC </a:t>
-            </a:r>
-            <a:r>
-              <a:rPr lang="de-CH" dirty="0" err="1" smtClean="0"/>
-              <a:t>flooding</a:t>
-            </a:r>
-            <a:endParaRPr lang="de-CH" dirty="0"/>
-          </a:p>
-          <a:p>
-            <a:r>
-              <a:rPr lang="de-CH" dirty="0" smtClean="0"/>
-              <a:t>ARP </a:t>
-            </a:r>
-            <a:r>
-              <a:rPr lang="de-CH" dirty="0" err="1" smtClean="0"/>
-              <a:t>spoofing</a:t>
-            </a:r>
-            <a:endParaRPr lang="de-CH" dirty="0"/>
+              <a:rPr lang="de-CH" dirty="0" err="1" smtClean="0">
+                <a:latin typeface="Courier New" pitchFamily="49" charset="0"/>
+                <a:cs typeface="Courier New" pitchFamily="49" charset="0"/>
+              </a:rPr>
+              <a:t>relay</a:t>
+            </a:r>
+            <a:r>
+              <a:rPr lang="de-CH" dirty="0" smtClean="0">
+                <a:latin typeface="Courier New" pitchFamily="49" charset="0"/>
+                <a:cs typeface="Courier New" pitchFamily="49" charset="0"/>
+              </a:rPr>
+              <a:t> </a:t>
+            </a:r>
+            <a:r>
+              <a:rPr lang="de-CH" dirty="0" err="1" smtClean="0">
+                <a:latin typeface="Courier New" pitchFamily="49" charset="0"/>
+                <a:cs typeface="Courier New" pitchFamily="49" charset="0"/>
+              </a:rPr>
+              <a:t>destination</a:t>
+            </a:r>
+            <a:endParaRPr lang="de-CH" dirty="0" smtClean="0">
+              <a:latin typeface="Arial Unicode MS" pitchFamily="34" charset="-128"/>
+              <a:ea typeface="Arial Unicode MS" pitchFamily="34" charset="-128"/>
+              <a:cs typeface="Arial Unicode MS" pitchFamily="34" charset="-128"/>
+            </a:endParaRPr>
           </a:p>
         </p:txBody>
       </p:sp>
     </p:spTree>
-    <p:extLst>
-      <p:ext uri="{BB962C8B-B14F-4D97-AF65-F5344CB8AC3E}">
-        <p14:creationId xmlns:p14="http://schemas.microsoft.com/office/powerpoint/2010/main" val="932044178"/>
-      </p:ext>
-    </p:extLst>
   </p:cSld>
   <p:clrMapOvr>
     <a:masterClrMapping/>
@@ -5551,26 +5571,39 @@
                                   </p:childTnLst>
                                 </p:cTn>
                               </p:par>
-                            </p:childTnLst>
-                          </p:cTn>
-                        </p:par>
-                      </p:childTnLst>
-                    </p:cTn>
-                  </p:par>
-                  <p:par>
-                    <p:cTn id="7" fill="hold">
-                      <p:stCondLst>
-                        <p:cond delay="indefinite"/>
-                      </p:stCondLst>
-                      <p:childTnLst>
-                        <p:par>
-                          <p:cTn id="8" fill="hold">
-                            <p:stCondLst>
-                              <p:cond delay="0"/>
-                            </p:stCondLst>
-                            <p:childTnLst>
                               <p:par>
-                                <p:cTn id="9" presetID="1" presetClass="entr" presetSubtype="0" fill="hold" nodeType="clickEffect">
+                                <p:cTn id="7" presetID="1" presetClass="entr" presetSubtype="0" fill="hold" nodeType="withEffect">
+                                  <p:stCondLst>
+                                    <p:cond delay="0"/>
+                                  </p:stCondLst>
+                                  <p:childTnLst>
+                                    <p:set>
+                                      <p:cBhvr>
+                                        <p:cTn id="8" dur="1" fill="hold">
+                                          <p:stCondLst>
+                                            <p:cond delay="0"/>
+                                          </p:stCondLst>
+                                        </p:cTn>
+                                        <p:tgtEl>
+                                          <p:spTgt spid="3">
+                                            <p:txEl>
+                                              <p:pRg st="1" end="1"/>
+                                            </p:txEl>
+                                          </p:spTgt>
+                                        </p:tgtEl>
+                                        <p:attrNameLst>
+                                          <p:attrName>style.visibility</p:attrName>
+                                        </p:attrNameLst>
+                                      </p:cBhvr>
+                                      <p:to>
+                                        <p:strVal val="visible"/>
+                                      </p:to>
+                                    </p:set>
+                                  </p:childTnLst>
+                                </p:cTn>
+                              </p:par>
+                              <p:par>
+                                <p:cTn id="9" presetID="1" presetClass="entr" presetSubtype="0" fill="hold" nodeType="withEffect">
                                   <p:stCondLst>
                                     <p:cond delay="0"/>
                                   </p:stCondLst>
@@ -5585,7 +5618,7 @@
                                         <p:tgtEl>
                                           <p:spTgt spid="3">
                                             <p:txEl>
-                                              <p:pRg st="1" end="1"/>
+                                              <p:pRg st="2" end="2"/>
                                             </p:txEl>
                                           </p:spTgt>
                                         </p:tgtEl>
@@ -5634,7 +5667,7 @@
                                         <p:tgtEl>
                                           <p:spTgt spid="3">
                                             <p:txEl>
-                                              <p:pRg st="2" end="2"/>
+                                              <p:pRg st="3" end="3"/>
                                             </p:txEl>
                                           </p:spTgt>
                                         </p:tgtEl>
@@ -5649,26 +5682,39 @@
                                   </p:childTnLst>
                                 </p:cTn>
                               </p:par>
-                            </p:childTnLst>
-                          </p:cTn>
-                        </p:par>
-                      </p:childTnLst>
-                    </p:cTn>
-                  </p:par>
-                  <p:par>
-                    <p:cTn id="15" fill="hold">
-                      <p:stCondLst>
-                        <p:cond delay="indefinite"/>
-                      </p:stCondLst>
-                      <p:childTnLst>
-                        <p:par>
-                          <p:cTn id="16" fill="hold">
-                            <p:stCondLst>
-                              <p:cond delay="0"/>
-                            </p:stCondLst>
-                            <p:childTnLst>
                               <p:par>
-                                <p:cTn id="17" presetID="1" presetClass="entr" presetSubtype="0" fill="hold" nodeType="clickEffect">
+                                <p:cTn id="15" presetID="1" presetClass="entr" presetSubtype="0" fill="hold" nodeType="withEffect">
+                                  <p:stCondLst>
+                                    <p:cond delay="0"/>
+                                  </p:stCondLst>
+                                  <p:childTnLst>
+                                    <p:set>
+                                      <p:cBhvr>
+                                        <p:cTn id="16" dur="1" fill="hold">
+                                          <p:stCondLst>
+                                            <p:cond delay="0"/>
+                                          </p:stCondLst>
+                                        </p:cTn>
+                                        <p:tgtEl>
+                                          <p:spTgt spid="3">
+                                            <p:txEl>
+                                              <p:pRg st="4" end="4"/>
+                                            </p:txEl>
+                                          </p:spTgt>
+                                        </p:tgtEl>
+                                        <p:attrNameLst>
+                                          <p:attrName>style.visibility</p:attrName>
+                                        </p:attrNameLst>
+                                      </p:cBhvr>
+                                      <p:to>
+                                        <p:strVal val="visible"/>
+                                      </p:to>
+                                    </p:set>
+                                  </p:childTnLst>
+                                </p:cTn>
+                              </p:par>
+                              <p:par>
+                                <p:cTn id="17" presetID="1" presetClass="entr" presetSubtype="0" fill="hold" nodeType="withEffect">
                                   <p:stCondLst>
                                     <p:cond delay="0"/>
                                   </p:stCondLst>
@@ -5683,7 +5729,7 @@
                                         <p:tgtEl>
                                           <p:spTgt spid="3">
                                             <p:txEl>
-                                              <p:pRg st="3" end="3"/>
+                                              <p:pRg st="5" end="5"/>
                                             </p:txEl>
                                           </p:spTgt>
                                         </p:tgtEl>
@@ -5698,26 +5744,39 @@
                                   </p:childTnLst>
                                 </p:cTn>
                               </p:par>
-                            </p:childTnLst>
-                          </p:cTn>
-                        </p:par>
-                      </p:childTnLst>
-                    </p:cTn>
-                  </p:par>
-                  <p:par>
-                    <p:cTn id="19" fill="hold">
-                      <p:stCondLst>
-                        <p:cond delay="indefinite"/>
-                      </p:stCondLst>
-                      <p:childTnLst>
-                        <p:par>
-                          <p:cTn id="20" fill="hold">
-                            <p:stCondLst>
-                              <p:cond delay="0"/>
-                            </p:stCondLst>
-                            <p:childTnLst>
                               <p:par>
-                                <p:cTn id="21" presetID="1" presetClass="entr" presetSubtype="0" fill="hold" nodeType="clickEffect">
+                                <p:cTn id="19" presetID="1" presetClass="entr" presetSubtype="0" fill="hold" nodeType="withEffect">
+                                  <p:stCondLst>
+                                    <p:cond delay="0"/>
+                                  </p:stCondLst>
+                                  <p:childTnLst>
+                                    <p:set>
+                                      <p:cBhvr>
+                                        <p:cTn id="20" dur="1" fill="hold">
+                                          <p:stCondLst>
+                                            <p:cond delay="0"/>
+                                          </p:stCondLst>
+                                        </p:cTn>
+                                        <p:tgtEl>
+                                          <p:spTgt spid="3">
+                                            <p:txEl>
+                                              <p:pRg st="6" end="6"/>
+                                            </p:txEl>
+                                          </p:spTgt>
+                                        </p:tgtEl>
+                                        <p:attrNameLst>
+                                          <p:attrName>style.visibility</p:attrName>
+                                        </p:attrNameLst>
+                                      </p:cBhvr>
+                                      <p:to>
+                                        <p:strVal val="visible"/>
+                                      </p:to>
+                                    </p:set>
+                                  </p:childTnLst>
+                                </p:cTn>
+                              </p:par>
+                              <p:par>
+                                <p:cTn id="21" presetID="1" presetClass="entr" presetSubtype="0" fill="hold" nodeType="withEffect">
                                   <p:stCondLst>
                                     <p:cond delay="0"/>
                                   </p:stCondLst>
@@ -5732,7 +5791,7 @@
                                         <p:tgtEl>
                                           <p:spTgt spid="3">
                                             <p:txEl>
-                                              <p:pRg st="4" end="4"/>
+                                              <p:pRg st="7" end="7"/>
                                             </p:txEl>
                                           </p:spTgt>
                                         </p:tgtEl>
@@ -5747,33 +5806,15 @@
                                   </p:childTnLst>
                                 </p:cTn>
                               </p:par>
-                            </p:childTnLst>
-                          </p:cTn>
-                        </p:par>
-                      </p:childTnLst>
-                    </p:cTn>
-                  </p:par>
-                  <p:par>
-                    <p:cTn id="23" fill="hold">
-                      <p:stCondLst>
-                        <p:cond delay="indefinite"/>
-                      </p:stCondLst>
-                      <p:childTnLst>
-                        <p:par>
-                          <p:cTn id="24" fill="hold">
-                            <p:stCondLst>
-                              <p:cond delay="0"/>
-                            </p:stCondLst>
-                            <p:childTnLst>
                               <p:par>
-                                <p:cTn id="25" presetID="1" presetClass="entr" presetSubtype="0" fill="hold" nodeType="clickEffect">
+                                <p:cTn id="23" presetID="1" presetClass="entr" presetSubtype="0" fill="hold" nodeType="withEffect">
                                   <p:stCondLst>
                                     <p:cond delay="0"/>
                                   </p:stCondLst>
                                   <p:childTnLst>
                                     <p:set>
                                       <p:cBhvr>
-                                        <p:cTn id="26" dur="1" fill="hold">
+                                        <p:cTn id="24" dur="1" fill="hold">
                                           <p:stCondLst>
                                             <p:cond delay="0"/>
                                           </p:stCondLst>
@@ -5781,105 +5822,7 @@
                                         <p:tgtEl>
                                           <p:spTgt spid="3">
                                             <p:txEl>
-                                              <p:pRg st="5" end="5"/>
-                                            </p:txEl>
-                                          </p:spTgt>
-                                        </p:tgtEl>
-                                        <p:attrNameLst>
-                                          <p:attrName>style.visibility</p:attrName>
-                                        </p:attrNameLst>
-                                      </p:cBhvr>
-                                      <p:to>
-                                        <p:strVal val="visible"/>
-                                      </p:to>
-                                    </p:set>
-                                  </p:childTnLst>
-                                </p:cTn>
-                              </p:par>
-                            </p:childTnLst>
-                          </p:cTn>
-                        </p:par>
-                      </p:childTnLst>
-                    </p:cTn>
-                  </p:par>
-                  <p:par>
-                    <p:cTn id="27" fill="hold">
-                      <p:stCondLst>
-                        <p:cond delay="indefinite"/>
-                      </p:stCondLst>
-                      <p:childTnLst>
-                        <p:par>
-                          <p:cTn id="28" fill="hold">
-                            <p:stCondLst>
-                              <p:cond delay="0"/>
-                            </p:stCondLst>
-                            <p:childTnLst>
-                              <p:par>
-                                <p:cTn id="29" presetID="1" presetClass="entr" presetSubtype="0" fill="hold" nodeType="clickEffect">
-                                  <p:stCondLst>
-                                    <p:cond delay="0"/>
-                                  </p:stCondLst>
-                                  <p:childTnLst>
-                                    <p:set>
-                                      <p:cBhvr>
-                                        <p:cTn id="30" dur="1" fill="hold">
-                                          <p:stCondLst>
-                                            <p:cond delay="0"/>
-                                          </p:stCondLst>
-                                        </p:cTn>
-                                        <p:tgtEl>
-                                          <p:spTgt spid="3">
-                                            <p:txEl>
-                                              <p:pRg st="6" end="6"/>
-                                            </p:txEl>
-                                          </p:spTgt>
-                                        </p:tgtEl>
-                                        <p:attrNameLst>
-                                          <p:attrName>style.visibility</p:attrName>
-                                        </p:attrNameLst>
-                                      </p:cBhvr>
-                                      <p:to>
-                                        <p:strVal val="visible"/>
-                                      </p:to>
-                                    </p:set>
-                                  </p:childTnLst>
-                                </p:cTn>
-                              </p:par>
-                            </p:childTnLst>
-                          </p:cTn>
-                        </p:par>
-                      </p:childTnLst>
-                    </p:cTn>
-                  </p:par>
-                  <p:par>
-                    <p:cTn id="31" fill="hold">
-                      <p:stCondLst>
-                        <p:cond delay="indefinite"/>
-                      </p:stCondLst>
-                      <p:childTnLst>
-                        <p:par>
-                          <p:cTn id="32" fill="hold">
-                            <p:stCondLst>
-                              <p:cond delay="0"/>
-                            </p:stCondLst>
-                            <p:childTnLst>
-                              <p:par>
-                                <p:cTn id="33" presetID="1" presetClass="entr" presetSubtype="0" fill="hold" nodeType="clickEffect">
-                                  <p:stCondLst>
-                                    <p:cond delay="0"/>
-                                  </p:stCondLst>
-                                  <p:childTnLst>
-                                    <p:set>
-                                      <p:cBhvr>
-                                        <p:cTn id="34" dur="1" fill="hold">
-                                          <p:stCondLst>
-                                            <p:cond delay="0"/>
-                                          </p:stCondLst>
-                                        </p:cTn>
-                                        <p:tgtEl>
-                                          <p:spTgt spid="3">
-                                            <p:txEl>
-                                              <p:pRg st="7" end="7"/>
+                                              <p:pRg st="8" end="8"/>
                                             </p:txEl>
                                           </p:spTgt>
                                         </p:tgtEl>
@@ -5959,7 +5902,7 @@
           <a:p>
             <a:r>
               <a:rPr lang="de-CH" dirty="0" smtClean="0"/>
-              <a:t>Bedrohungsmodell - Priorisierung</a:t>
+              <a:t>Bedrohungsmodell - Attacken</a:t>
             </a:r>
             <a:endParaRPr lang="de-CH" dirty="0"/>
           </a:p>
@@ -5967,7 +5910,7 @@
       </p:sp>
       <p:sp>
         <p:nvSpPr>
-          <p:cNvPr id="6" name="Inhaltsplatzhalter 5"/>
+          <p:cNvPr id="3" name="Inhaltsplatzhalter 2"/>
           <p:cNvSpPr>
             <a:spLocks noGrp="1"/>
           </p:cNvSpPr>
@@ -5977,112 +5920,18 @@
         </p:nvSpPr>
         <p:spPr/>
         <p:txBody>
-          <a:bodyPr/>
-          <a:lstStyle/>
-          <a:p>
-            <a:endParaRPr lang="de-CH"/>
-          </a:p>
-        </p:txBody>
-      </p:sp>
-      <p:pic>
-        <p:nvPicPr>
-          <p:cNvPr id="8" name="Grafik 7"/>
-          <p:cNvPicPr>
-            <a:picLocks noChangeAspect="1"/>
-          </p:cNvPicPr>
-          <p:nvPr/>
-        </p:nvPicPr>
-        <p:blipFill>
-          <a:blip r:embed="rId2"/>
-          <a:stretch>
-            <a:fillRect/>
-          </a:stretch>
-        </p:blipFill>
-        <p:spPr>
-          <a:xfrm>
-            <a:off x="140742" y="1604393"/>
-            <a:ext cx="8862516" cy="3829223"/>
-          </a:xfrm>
-          <a:prstGeom prst="rect">
-            <a:avLst/>
-          </a:prstGeom>
-        </p:spPr>
-      </p:pic>
-    </p:spTree>
-  </p:cSld>
-  <p:clrMapOvr>
-    <a:masterClrMapping/>
-  </p:clrMapOvr>
-  <p:timing>
-    <p:tnLst>
-      <p:par>
-        <p:cTn id="1" dur="indefinite" restart="never" nodeType="tmRoot"/>
-      </p:par>
-    </p:tnLst>
-  </p:timing>
-</p:sld>
-</file>
-
-<file path=ppt/slides/slide6.xml><?xml version="1.0" encoding="utf-8"?>
-<p:sld xmlns:a="http://schemas.openxmlformats.org/drawingml/2006/main" xmlns:r="http://schemas.openxmlformats.org/officeDocument/2006/relationships" xmlns:p="http://schemas.openxmlformats.org/presentationml/2006/main">
-  <p:cSld>
-    <p:spTree>
-      <p:nvGrpSpPr>
-        <p:cNvPr id="1" name=""/>
-        <p:cNvGrpSpPr/>
-        <p:nvPr/>
-      </p:nvGrpSpPr>
-      <p:grpSpPr>
-        <a:xfrm>
-          <a:off x="0" y="0"/>
-          <a:ext cx="0" cy="0"/>
-          <a:chOff x="0" y="0"/>
-          <a:chExt cx="0" cy="0"/>
-        </a:xfrm>
-      </p:grpSpPr>
-      <p:sp>
-        <p:nvSpPr>
-          <p:cNvPr id="2" name="Titel 1"/>
-          <p:cNvSpPr>
-            <a:spLocks noGrp="1"/>
-          </p:cNvSpPr>
-          <p:nvPr>
-            <p:ph type="title"/>
-          </p:nvPr>
-        </p:nvSpPr>
-        <p:spPr/>
-        <p:txBody>
-          <a:bodyPr/>
-          <a:lstStyle/>
-          <a:p>
-            <a:r>
-              <a:rPr lang="de-CH" dirty="0" smtClean="0"/>
-              <a:t>Bedrohungsmodell - Defense</a:t>
-            </a:r>
-            <a:endParaRPr lang="de-CH" dirty="0"/>
-          </a:p>
-        </p:txBody>
-      </p:sp>
-      <p:sp>
-        <p:nvSpPr>
-          <p:cNvPr id="3" name="Inhaltsplatzhalter 2"/>
-          <p:cNvSpPr>
-            <a:spLocks noGrp="1"/>
-          </p:cNvSpPr>
-          <p:nvPr>
-            <p:ph idx="1"/>
-          </p:nvPr>
-        </p:nvSpPr>
-        <p:spPr/>
-        <p:txBody>
           <a:bodyPr>
-            <a:normAutofit fontScale="92500" lnSpcReduction="20000"/>
+            <a:normAutofit lnSpcReduction="10000"/>
           </a:bodyPr>
           <a:lstStyle/>
           <a:p>
             <a:r>
+              <a:rPr lang="de-CH" dirty="0" smtClean="0"/>
+              <a:t>ICMP </a:t>
+            </a:r>
+            <a:r>
               <a:rPr lang="de-CH" dirty="0"/>
-              <a:t>ICMP ‘</a:t>
+              <a:t>‘</a:t>
             </a:r>
             <a:r>
               <a:rPr lang="de-CH" dirty="0" err="1"/>
@@ -6114,139 +5963,107 @@
             </a:r>
             <a:r>
               <a:rPr lang="de-CH" dirty="0"/>
-              <a:t> Service</a:t>
-            </a:r>
-          </a:p>
-          <a:p>
-            <a:pPr lvl="1"/>
+              <a:t> </a:t>
+            </a:r>
             <a:r>
               <a:rPr lang="de-CH" dirty="0" smtClean="0"/>
-              <a:t>ACL: ICMP Pakete blockieren</a:t>
-            </a:r>
+              <a:t>Service</a:t>
+            </a:r>
+            <a:endParaRPr lang="de-CH" dirty="0"/>
           </a:p>
           <a:p>
             <a:r>
               <a:rPr lang="de-CH" dirty="0" smtClean="0"/>
-              <a:t>IP </a:t>
+              <a:t>Viren </a:t>
+            </a:r>
+            <a:r>
+              <a:rPr lang="de-CH" dirty="0"/>
+              <a:t>/ Würmer / </a:t>
+            </a:r>
+            <a:r>
+              <a:rPr lang="de-CH" dirty="0" smtClean="0"/>
+              <a:t>Trojaner</a:t>
+            </a:r>
+            <a:endParaRPr lang="de-CH" dirty="0"/>
+          </a:p>
+          <a:p>
+            <a:r>
+              <a:rPr lang="de-CH" dirty="0" smtClean="0"/>
+              <a:t>TCP </a:t>
+            </a:r>
+            <a:r>
+              <a:rPr lang="de-CH" dirty="0" err="1"/>
+              <a:t>DoS</a:t>
+            </a:r>
+            <a:r>
+              <a:rPr lang="de-CH" dirty="0"/>
+              <a:t> (</a:t>
+            </a:r>
+            <a:r>
+              <a:rPr lang="de-CH" dirty="0" smtClean="0"/>
+              <a:t>SYN-</a:t>
+            </a:r>
+            <a:r>
+              <a:rPr lang="de-CH" dirty="0" err="1" smtClean="0"/>
+              <a:t>Flooding</a:t>
+            </a:r>
+            <a:r>
+              <a:rPr lang="de-CH" dirty="0" smtClean="0"/>
+              <a:t>)</a:t>
+            </a:r>
+          </a:p>
+          <a:p>
+            <a:r>
+              <a:rPr lang="de-CH" dirty="0" smtClean="0"/>
+              <a:t>DNS </a:t>
+            </a:r>
+            <a:r>
+              <a:rPr lang="de-CH" dirty="0"/>
+              <a:t>Cache </a:t>
+            </a:r>
+            <a:r>
+              <a:rPr lang="de-CH" dirty="0" err="1" smtClean="0"/>
+              <a:t>poisoning</a:t>
+            </a:r>
+            <a:endParaRPr lang="de-CH" dirty="0"/>
+          </a:p>
+          <a:p>
+            <a:r>
+              <a:rPr lang="de-CH" dirty="0" smtClean="0"/>
+              <a:t>Phishing</a:t>
+            </a:r>
+            <a:endParaRPr lang="de-CH" dirty="0"/>
+          </a:p>
+          <a:p>
+            <a:r>
+              <a:rPr lang="de-CH" dirty="0" err="1" smtClean="0"/>
+              <a:t>Rogue</a:t>
+            </a:r>
+            <a:r>
+              <a:rPr lang="de-CH" dirty="0" smtClean="0"/>
+              <a:t> DHCP</a:t>
+            </a:r>
+            <a:endParaRPr lang="de-CH" dirty="0"/>
+          </a:p>
+          <a:p>
+            <a:r>
+              <a:rPr lang="de-CH" dirty="0" smtClean="0"/>
+              <a:t>MAC </a:t>
+            </a:r>
+            <a:r>
+              <a:rPr lang="de-CH" dirty="0" err="1" smtClean="0"/>
+              <a:t>flooding</a:t>
+            </a:r>
+            <a:endParaRPr lang="de-CH" dirty="0"/>
+          </a:p>
+          <a:p>
+            <a:r>
+              <a:rPr lang="de-CH" dirty="0" smtClean="0"/>
+              <a:t>ARP </a:t>
             </a:r>
             <a:r>
               <a:rPr lang="de-CH" dirty="0" err="1" smtClean="0"/>
               <a:t>spoofing</a:t>
-            </a:r>
-            <a:endParaRPr lang="de-CH" dirty="0" smtClean="0"/>
-          </a:p>
-          <a:p>
-            <a:pPr lvl="1"/>
-            <a:r>
-              <a:rPr lang="pt-BR" dirty="0" smtClean="0"/>
-              <a:t>Verify reverse-path</a:t>
-            </a:r>
-            <a:endParaRPr lang="de-CH" dirty="0"/>
-          </a:p>
-          <a:p>
-            <a:r>
-              <a:rPr lang="de-CH" dirty="0" smtClean="0"/>
-              <a:t>TCP </a:t>
-            </a:r>
-            <a:r>
-              <a:rPr lang="de-CH" dirty="0" err="1"/>
-              <a:t>DoS</a:t>
-            </a:r>
-            <a:r>
-              <a:rPr lang="de-CH" dirty="0"/>
-              <a:t> (SYN-</a:t>
-            </a:r>
-            <a:r>
-              <a:rPr lang="de-CH" dirty="0" err="1"/>
-              <a:t>Flooding</a:t>
-            </a:r>
-            <a:r>
-              <a:rPr lang="de-CH" dirty="0" smtClean="0"/>
-              <a:t>)</a:t>
-            </a:r>
-          </a:p>
-          <a:p>
-            <a:pPr lvl="1"/>
-            <a:r>
-              <a:rPr lang="en-US" dirty="0"/>
-              <a:t>SYN </a:t>
-            </a:r>
-            <a:r>
-              <a:rPr lang="en-US" dirty="0" smtClean="0"/>
-              <a:t>Cookies</a:t>
-            </a:r>
-          </a:p>
-          <a:p>
-            <a:pPr lvl="1"/>
-            <a:r>
-              <a:rPr lang="fr-FR" dirty="0" err="1" smtClean="0"/>
-              <a:t>connection</a:t>
-            </a:r>
-            <a:r>
-              <a:rPr lang="fr-FR" dirty="0" smtClean="0"/>
-              <a:t> </a:t>
-            </a:r>
-            <a:r>
-              <a:rPr lang="fr-FR" dirty="0" err="1" smtClean="0"/>
-              <a:t>conn</a:t>
-            </a:r>
-            <a:r>
-              <a:rPr lang="fr-FR" dirty="0" smtClean="0"/>
-              <a:t>-max</a:t>
-            </a:r>
-            <a:endParaRPr lang="fr-FR" dirty="0"/>
-          </a:p>
-          <a:p>
-            <a:pPr lvl="1"/>
-            <a:r>
-              <a:rPr lang="fr-FR" dirty="0" err="1" smtClean="0"/>
-              <a:t>connection</a:t>
-            </a:r>
-            <a:r>
-              <a:rPr lang="fr-FR" dirty="0" smtClean="0"/>
-              <a:t> timeout</a:t>
-            </a:r>
-            <a:endParaRPr lang="en-US" dirty="0"/>
-          </a:p>
-          <a:p>
-            <a:r>
-              <a:rPr lang="de-CH" dirty="0" err="1" smtClean="0"/>
-              <a:t>Rogue</a:t>
-            </a:r>
-            <a:r>
-              <a:rPr lang="de-CH" dirty="0" smtClean="0"/>
-              <a:t> </a:t>
-            </a:r>
-            <a:r>
-              <a:rPr lang="de-CH" dirty="0"/>
-              <a:t>DHCP</a:t>
-            </a:r>
-          </a:p>
-          <a:p>
-            <a:pPr lvl="1"/>
-            <a:r>
-              <a:rPr lang="de-CH" dirty="0"/>
-              <a:t>ACL: </a:t>
-            </a:r>
-            <a:r>
-              <a:rPr lang="de-CH" dirty="0" smtClean="0"/>
-              <a:t>Port </a:t>
-            </a:r>
-            <a:r>
-              <a:rPr lang="de-CH" dirty="0"/>
-              <a:t>68 </a:t>
-            </a:r>
-            <a:r>
-              <a:rPr lang="de-CH" dirty="0" smtClean="0"/>
-              <a:t>für </a:t>
-            </a:r>
-            <a:r>
-              <a:rPr lang="de-CH" dirty="0"/>
-              <a:t>DHCP </a:t>
-            </a:r>
-            <a:r>
-              <a:rPr lang="de-CH" dirty="0" smtClean="0"/>
-              <a:t>Antworten blockieren</a:t>
             </a:r>
             <a:endParaRPr lang="de-CH" dirty="0"/>
           </a:p>
@@ -6255,7 +6072,7 @@
     </p:spTree>
     <p:extLst>
       <p:ext uri="{BB962C8B-B14F-4D97-AF65-F5344CB8AC3E}">
-        <p14:creationId xmlns:p14="http://schemas.microsoft.com/office/powerpoint/2010/main" val="2103185437"/>
+        <p14:creationId xmlns:p14="http://schemas.microsoft.com/office/powerpoint/2010/main" xmlns="" val="932044178"/>
       </p:ext>
     </p:extLst>
   </p:cSld>
@@ -6313,6 +6130,768 @@
                                   </p:childTnLst>
                                 </p:cTn>
                               </p:par>
+                            </p:childTnLst>
+                          </p:cTn>
+                        </p:par>
+                      </p:childTnLst>
+                    </p:cTn>
+                  </p:par>
+                  <p:par>
+                    <p:cTn id="7" fill="hold">
+                      <p:stCondLst>
+                        <p:cond delay="indefinite"/>
+                      </p:stCondLst>
+                      <p:childTnLst>
+                        <p:par>
+                          <p:cTn id="8" fill="hold">
+                            <p:stCondLst>
+                              <p:cond delay="0"/>
+                            </p:stCondLst>
+                            <p:childTnLst>
+                              <p:par>
+                                <p:cTn id="9" presetID="1" presetClass="entr" presetSubtype="0" fill="hold" nodeType="clickEffect">
+                                  <p:stCondLst>
+                                    <p:cond delay="0"/>
+                                  </p:stCondLst>
+                                  <p:childTnLst>
+                                    <p:set>
+                                      <p:cBhvr>
+                                        <p:cTn id="10" dur="1" fill="hold">
+                                          <p:stCondLst>
+                                            <p:cond delay="0"/>
+                                          </p:stCondLst>
+                                        </p:cTn>
+                                        <p:tgtEl>
+                                          <p:spTgt spid="3">
+                                            <p:txEl>
+                                              <p:pRg st="1" end="1"/>
+                                            </p:txEl>
+                                          </p:spTgt>
+                                        </p:tgtEl>
+                                        <p:attrNameLst>
+                                          <p:attrName>style.visibility</p:attrName>
+                                        </p:attrNameLst>
+                                      </p:cBhvr>
+                                      <p:to>
+                                        <p:strVal val="visible"/>
+                                      </p:to>
+                                    </p:set>
+                                  </p:childTnLst>
+                                </p:cTn>
+                              </p:par>
+                            </p:childTnLst>
+                          </p:cTn>
+                        </p:par>
+                      </p:childTnLst>
+                    </p:cTn>
+                  </p:par>
+                  <p:par>
+                    <p:cTn id="11" fill="hold">
+                      <p:stCondLst>
+                        <p:cond delay="indefinite"/>
+                      </p:stCondLst>
+                      <p:childTnLst>
+                        <p:par>
+                          <p:cTn id="12" fill="hold">
+                            <p:stCondLst>
+                              <p:cond delay="0"/>
+                            </p:stCondLst>
+                            <p:childTnLst>
+                              <p:par>
+                                <p:cTn id="13" presetID="1" presetClass="entr" presetSubtype="0" fill="hold" nodeType="clickEffect">
+                                  <p:stCondLst>
+                                    <p:cond delay="0"/>
+                                  </p:stCondLst>
+                                  <p:childTnLst>
+                                    <p:set>
+                                      <p:cBhvr>
+                                        <p:cTn id="14" dur="1" fill="hold">
+                                          <p:stCondLst>
+                                            <p:cond delay="0"/>
+                                          </p:stCondLst>
+                                        </p:cTn>
+                                        <p:tgtEl>
+                                          <p:spTgt spid="3">
+                                            <p:txEl>
+                                              <p:pRg st="2" end="2"/>
+                                            </p:txEl>
+                                          </p:spTgt>
+                                        </p:tgtEl>
+                                        <p:attrNameLst>
+                                          <p:attrName>style.visibility</p:attrName>
+                                        </p:attrNameLst>
+                                      </p:cBhvr>
+                                      <p:to>
+                                        <p:strVal val="visible"/>
+                                      </p:to>
+                                    </p:set>
+                                  </p:childTnLst>
+                                </p:cTn>
+                              </p:par>
+                            </p:childTnLst>
+                          </p:cTn>
+                        </p:par>
+                      </p:childTnLst>
+                    </p:cTn>
+                  </p:par>
+                  <p:par>
+                    <p:cTn id="15" fill="hold">
+                      <p:stCondLst>
+                        <p:cond delay="indefinite"/>
+                      </p:stCondLst>
+                      <p:childTnLst>
+                        <p:par>
+                          <p:cTn id="16" fill="hold">
+                            <p:stCondLst>
+                              <p:cond delay="0"/>
+                            </p:stCondLst>
+                            <p:childTnLst>
+                              <p:par>
+                                <p:cTn id="17" presetID="1" presetClass="entr" presetSubtype="0" fill="hold" nodeType="clickEffect">
+                                  <p:stCondLst>
+                                    <p:cond delay="0"/>
+                                  </p:stCondLst>
+                                  <p:childTnLst>
+                                    <p:set>
+                                      <p:cBhvr>
+                                        <p:cTn id="18" dur="1" fill="hold">
+                                          <p:stCondLst>
+                                            <p:cond delay="0"/>
+                                          </p:stCondLst>
+                                        </p:cTn>
+                                        <p:tgtEl>
+                                          <p:spTgt spid="3">
+                                            <p:txEl>
+                                              <p:pRg st="3" end="3"/>
+                                            </p:txEl>
+                                          </p:spTgt>
+                                        </p:tgtEl>
+                                        <p:attrNameLst>
+                                          <p:attrName>style.visibility</p:attrName>
+                                        </p:attrNameLst>
+                                      </p:cBhvr>
+                                      <p:to>
+                                        <p:strVal val="visible"/>
+                                      </p:to>
+                                    </p:set>
+                                  </p:childTnLst>
+                                </p:cTn>
+                              </p:par>
+                            </p:childTnLst>
+                          </p:cTn>
+                        </p:par>
+                      </p:childTnLst>
+                    </p:cTn>
+                  </p:par>
+                  <p:par>
+                    <p:cTn id="19" fill="hold">
+                      <p:stCondLst>
+                        <p:cond delay="indefinite"/>
+                      </p:stCondLst>
+                      <p:childTnLst>
+                        <p:par>
+                          <p:cTn id="20" fill="hold">
+                            <p:stCondLst>
+                              <p:cond delay="0"/>
+                            </p:stCondLst>
+                            <p:childTnLst>
+                              <p:par>
+                                <p:cTn id="21" presetID="1" presetClass="entr" presetSubtype="0" fill="hold" nodeType="clickEffect">
+                                  <p:stCondLst>
+                                    <p:cond delay="0"/>
+                                  </p:stCondLst>
+                                  <p:childTnLst>
+                                    <p:set>
+                                      <p:cBhvr>
+                                        <p:cTn id="22" dur="1" fill="hold">
+                                          <p:stCondLst>
+                                            <p:cond delay="0"/>
+                                          </p:stCondLst>
+                                        </p:cTn>
+                                        <p:tgtEl>
+                                          <p:spTgt spid="3">
+                                            <p:txEl>
+                                              <p:pRg st="4" end="4"/>
+                                            </p:txEl>
+                                          </p:spTgt>
+                                        </p:tgtEl>
+                                        <p:attrNameLst>
+                                          <p:attrName>style.visibility</p:attrName>
+                                        </p:attrNameLst>
+                                      </p:cBhvr>
+                                      <p:to>
+                                        <p:strVal val="visible"/>
+                                      </p:to>
+                                    </p:set>
+                                  </p:childTnLst>
+                                </p:cTn>
+                              </p:par>
+                            </p:childTnLst>
+                          </p:cTn>
+                        </p:par>
+                      </p:childTnLst>
+                    </p:cTn>
+                  </p:par>
+                  <p:par>
+                    <p:cTn id="23" fill="hold">
+                      <p:stCondLst>
+                        <p:cond delay="indefinite"/>
+                      </p:stCondLst>
+                      <p:childTnLst>
+                        <p:par>
+                          <p:cTn id="24" fill="hold">
+                            <p:stCondLst>
+                              <p:cond delay="0"/>
+                            </p:stCondLst>
+                            <p:childTnLst>
+                              <p:par>
+                                <p:cTn id="25" presetID="1" presetClass="entr" presetSubtype="0" fill="hold" nodeType="clickEffect">
+                                  <p:stCondLst>
+                                    <p:cond delay="0"/>
+                                  </p:stCondLst>
+                                  <p:childTnLst>
+                                    <p:set>
+                                      <p:cBhvr>
+                                        <p:cTn id="26" dur="1" fill="hold">
+                                          <p:stCondLst>
+                                            <p:cond delay="0"/>
+                                          </p:stCondLst>
+                                        </p:cTn>
+                                        <p:tgtEl>
+                                          <p:spTgt spid="3">
+                                            <p:txEl>
+                                              <p:pRg st="5" end="5"/>
+                                            </p:txEl>
+                                          </p:spTgt>
+                                        </p:tgtEl>
+                                        <p:attrNameLst>
+                                          <p:attrName>style.visibility</p:attrName>
+                                        </p:attrNameLst>
+                                      </p:cBhvr>
+                                      <p:to>
+                                        <p:strVal val="visible"/>
+                                      </p:to>
+                                    </p:set>
+                                  </p:childTnLst>
+                                </p:cTn>
+                              </p:par>
+                            </p:childTnLst>
+                          </p:cTn>
+                        </p:par>
+                      </p:childTnLst>
+                    </p:cTn>
+                  </p:par>
+                  <p:par>
+                    <p:cTn id="27" fill="hold">
+                      <p:stCondLst>
+                        <p:cond delay="indefinite"/>
+                      </p:stCondLst>
+                      <p:childTnLst>
+                        <p:par>
+                          <p:cTn id="28" fill="hold">
+                            <p:stCondLst>
+                              <p:cond delay="0"/>
+                            </p:stCondLst>
+                            <p:childTnLst>
+                              <p:par>
+                                <p:cTn id="29" presetID="1" presetClass="entr" presetSubtype="0" fill="hold" nodeType="clickEffect">
+                                  <p:stCondLst>
+                                    <p:cond delay="0"/>
+                                  </p:stCondLst>
+                                  <p:childTnLst>
+                                    <p:set>
+                                      <p:cBhvr>
+                                        <p:cTn id="30" dur="1" fill="hold">
+                                          <p:stCondLst>
+                                            <p:cond delay="0"/>
+                                          </p:stCondLst>
+                                        </p:cTn>
+                                        <p:tgtEl>
+                                          <p:spTgt spid="3">
+                                            <p:txEl>
+                                              <p:pRg st="6" end="6"/>
+                                            </p:txEl>
+                                          </p:spTgt>
+                                        </p:tgtEl>
+                                        <p:attrNameLst>
+                                          <p:attrName>style.visibility</p:attrName>
+                                        </p:attrNameLst>
+                                      </p:cBhvr>
+                                      <p:to>
+                                        <p:strVal val="visible"/>
+                                      </p:to>
+                                    </p:set>
+                                  </p:childTnLst>
+                                </p:cTn>
+                              </p:par>
+                            </p:childTnLst>
+                          </p:cTn>
+                        </p:par>
+                      </p:childTnLst>
+                    </p:cTn>
+                  </p:par>
+                  <p:par>
+                    <p:cTn id="31" fill="hold">
+                      <p:stCondLst>
+                        <p:cond delay="indefinite"/>
+                      </p:stCondLst>
+                      <p:childTnLst>
+                        <p:par>
+                          <p:cTn id="32" fill="hold">
+                            <p:stCondLst>
+                              <p:cond delay="0"/>
+                            </p:stCondLst>
+                            <p:childTnLst>
+                              <p:par>
+                                <p:cTn id="33" presetID="1" presetClass="entr" presetSubtype="0" fill="hold" nodeType="clickEffect">
+                                  <p:stCondLst>
+                                    <p:cond delay="0"/>
+                                  </p:stCondLst>
+                                  <p:childTnLst>
+                                    <p:set>
+                                      <p:cBhvr>
+                                        <p:cTn id="34" dur="1" fill="hold">
+                                          <p:stCondLst>
+                                            <p:cond delay="0"/>
+                                          </p:stCondLst>
+                                        </p:cTn>
+                                        <p:tgtEl>
+                                          <p:spTgt spid="3">
+                                            <p:txEl>
+                                              <p:pRg st="7" end="7"/>
+                                            </p:txEl>
+                                          </p:spTgt>
+                                        </p:tgtEl>
+                                        <p:attrNameLst>
+                                          <p:attrName>style.visibility</p:attrName>
+                                        </p:attrNameLst>
+                                      </p:cBhvr>
+                                      <p:to>
+                                        <p:strVal val="visible"/>
+                                      </p:to>
+                                    </p:set>
+                                  </p:childTnLst>
+                                </p:cTn>
+                              </p:par>
+                            </p:childTnLst>
+                          </p:cTn>
+                        </p:par>
+                      </p:childTnLst>
+                    </p:cTn>
+                  </p:par>
+                </p:childTnLst>
+              </p:cTn>
+              <p:prevCondLst>
+                <p:cond evt="onPrev" delay="0">
+                  <p:tgtEl>
+                    <p:sldTgt/>
+                  </p:tgtEl>
+                </p:cond>
+              </p:prevCondLst>
+              <p:nextCondLst>
+                <p:cond evt="onNext" delay="0">
+                  <p:tgtEl>
+                    <p:sldTgt/>
+                  </p:tgtEl>
+                </p:cond>
+              </p:nextCondLst>
+            </p:seq>
+          </p:childTnLst>
+        </p:cTn>
+      </p:par>
+    </p:tnLst>
+  </p:timing>
+</p:sld>
+</file>
+
+<file path=ppt/slides/slide6.xml><?xml version="1.0" encoding="utf-8"?>
+<p:sld xmlns:a="http://schemas.openxmlformats.org/drawingml/2006/main" xmlns:r="http://schemas.openxmlformats.org/officeDocument/2006/relationships" xmlns:p="http://schemas.openxmlformats.org/presentationml/2006/main">
+  <p:cSld>
+    <p:spTree>
+      <p:nvGrpSpPr>
+        <p:cNvPr id="1" name=""/>
+        <p:cNvGrpSpPr/>
+        <p:nvPr/>
+      </p:nvGrpSpPr>
+      <p:grpSpPr>
+        <a:xfrm>
+          <a:off x="0" y="0"/>
+          <a:ext cx="0" cy="0"/>
+          <a:chOff x="0" y="0"/>
+          <a:chExt cx="0" cy="0"/>
+        </a:xfrm>
+      </p:grpSpPr>
+      <p:sp>
+        <p:nvSpPr>
+          <p:cNvPr id="2" name="Titel 1"/>
+          <p:cNvSpPr>
+            <a:spLocks noGrp="1"/>
+          </p:cNvSpPr>
+          <p:nvPr>
+            <p:ph type="title"/>
+          </p:nvPr>
+        </p:nvSpPr>
+        <p:spPr/>
+        <p:txBody>
+          <a:bodyPr/>
+          <a:lstStyle/>
+          <a:p>
+            <a:r>
+              <a:rPr lang="de-CH" dirty="0" smtClean="0"/>
+              <a:t>Bedrohungsmodell - Priorisierung</a:t>
+            </a:r>
+            <a:endParaRPr lang="de-CH" dirty="0"/>
+          </a:p>
+        </p:txBody>
+      </p:sp>
+      <p:sp>
+        <p:nvSpPr>
+          <p:cNvPr id="6" name="Inhaltsplatzhalter 5"/>
+          <p:cNvSpPr>
+            <a:spLocks noGrp="1"/>
+          </p:cNvSpPr>
+          <p:nvPr>
+            <p:ph idx="1"/>
+          </p:nvPr>
+        </p:nvSpPr>
+        <p:spPr/>
+        <p:txBody>
+          <a:bodyPr/>
+          <a:lstStyle/>
+          <a:p>
+            <a:endParaRPr lang="de-CH"/>
+          </a:p>
+        </p:txBody>
+      </p:sp>
+      <p:pic>
+        <p:nvPicPr>
+          <p:cNvPr id="8" name="Grafik 7"/>
+          <p:cNvPicPr>
+            <a:picLocks noChangeAspect="1"/>
+          </p:cNvPicPr>
+          <p:nvPr/>
+        </p:nvPicPr>
+        <p:blipFill>
+          <a:blip r:embed="rId2" cstate="print"/>
+          <a:stretch>
+            <a:fillRect/>
+          </a:stretch>
+        </p:blipFill>
+        <p:spPr>
+          <a:xfrm>
+            <a:off x="140742" y="1604393"/>
+            <a:ext cx="8862516" cy="3829223"/>
+          </a:xfrm>
+          <a:prstGeom prst="rect">
+            <a:avLst/>
+          </a:prstGeom>
+        </p:spPr>
+      </p:pic>
+    </p:spTree>
+  </p:cSld>
+  <p:clrMapOvr>
+    <a:masterClrMapping/>
+  </p:clrMapOvr>
+  <p:timing>
+    <p:tnLst>
+      <p:par>
+        <p:cTn id="1" dur="indefinite" restart="never" nodeType="tmRoot"/>
+      </p:par>
+    </p:tnLst>
+  </p:timing>
+</p:sld>
+</file>
+
+<file path=ppt/slides/slide7.xml><?xml version="1.0" encoding="utf-8"?>
+<p:sld xmlns:a="http://schemas.openxmlformats.org/drawingml/2006/main" xmlns:r="http://schemas.openxmlformats.org/officeDocument/2006/relationships" xmlns:p="http://schemas.openxmlformats.org/presentationml/2006/main">
+  <p:cSld>
+    <p:spTree>
+      <p:nvGrpSpPr>
+        <p:cNvPr id="1" name=""/>
+        <p:cNvGrpSpPr/>
+        <p:nvPr/>
+      </p:nvGrpSpPr>
+      <p:grpSpPr>
+        <a:xfrm>
+          <a:off x="0" y="0"/>
+          <a:ext cx="0" cy="0"/>
+          <a:chOff x="0" y="0"/>
+          <a:chExt cx="0" cy="0"/>
+        </a:xfrm>
+      </p:grpSpPr>
+      <p:sp>
+        <p:nvSpPr>
+          <p:cNvPr id="2" name="Titel 1"/>
+          <p:cNvSpPr>
+            <a:spLocks noGrp="1"/>
+          </p:cNvSpPr>
+          <p:nvPr>
+            <p:ph type="title"/>
+          </p:nvPr>
+        </p:nvSpPr>
+        <p:spPr/>
+        <p:txBody>
+          <a:bodyPr/>
+          <a:lstStyle/>
+          <a:p>
+            <a:r>
+              <a:rPr lang="de-CH" dirty="0" smtClean="0"/>
+              <a:t>Bedrohungsmodell - Defense</a:t>
+            </a:r>
+            <a:endParaRPr lang="de-CH" dirty="0"/>
+          </a:p>
+        </p:txBody>
+      </p:sp>
+      <p:sp>
+        <p:nvSpPr>
+          <p:cNvPr id="3" name="Inhaltsplatzhalter 2"/>
+          <p:cNvSpPr>
+            <a:spLocks noGrp="1"/>
+          </p:cNvSpPr>
+          <p:nvPr>
+            <p:ph idx="1"/>
+          </p:nvPr>
+        </p:nvSpPr>
+        <p:spPr/>
+        <p:txBody>
+          <a:bodyPr>
+            <a:normAutofit fontScale="92500" lnSpcReduction="20000"/>
+          </a:bodyPr>
+          <a:lstStyle/>
+          <a:p>
+            <a:r>
+              <a:rPr lang="de-CH" dirty="0"/>
+              <a:t>ICMP ‘</a:t>
+            </a:r>
+            <a:r>
+              <a:rPr lang="de-CH" dirty="0" err="1"/>
+              <a:t>smurf</a:t>
+            </a:r>
+            <a:r>
+              <a:rPr lang="de-CH" dirty="0"/>
+              <a:t> </a:t>
+            </a:r>
+            <a:r>
+              <a:rPr lang="de-CH" dirty="0" err="1"/>
+              <a:t>attack</a:t>
+            </a:r>
+            <a:r>
+              <a:rPr lang="de-CH" dirty="0"/>
+              <a:t>’: </a:t>
+            </a:r>
+            <a:r>
+              <a:rPr lang="de-CH" dirty="0" err="1"/>
+              <a:t>Denial</a:t>
+            </a:r>
+            <a:r>
+              <a:rPr lang="de-CH" dirty="0"/>
+              <a:t> </a:t>
+            </a:r>
+            <a:r>
+              <a:rPr lang="de-CH" dirty="0" err="1"/>
+              <a:t>of</a:t>
+            </a:r>
+            <a:r>
+              <a:rPr lang="de-CH" dirty="0"/>
+              <a:t> Service</a:t>
+            </a:r>
+          </a:p>
+          <a:p>
+            <a:pPr lvl="1"/>
+            <a:r>
+              <a:rPr lang="de-CH" dirty="0" smtClean="0"/>
+              <a:t>ACL: ICMP Pakete blockieren</a:t>
+            </a:r>
+          </a:p>
+          <a:p>
+            <a:r>
+              <a:rPr lang="de-CH" dirty="0" smtClean="0"/>
+              <a:t>IP </a:t>
+            </a:r>
+            <a:r>
+              <a:rPr lang="de-CH" dirty="0" err="1" smtClean="0"/>
+              <a:t>spoofing</a:t>
+            </a:r>
+            <a:endParaRPr lang="de-CH" dirty="0" smtClean="0"/>
+          </a:p>
+          <a:p>
+            <a:pPr lvl="1"/>
+            <a:r>
+              <a:rPr lang="pt-BR" dirty="0" smtClean="0"/>
+              <a:t>Verify reverse-path</a:t>
+            </a:r>
+            <a:endParaRPr lang="de-CH" dirty="0"/>
+          </a:p>
+          <a:p>
+            <a:r>
+              <a:rPr lang="de-CH" dirty="0" smtClean="0"/>
+              <a:t>TCP </a:t>
+            </a:r>
+            <a:r>
+              <a:rPr lang="de-CH" dirty="0" err="1"/>
+              <a:t>DoS</a:t>
+            </a:r>
+            <a:r>
+              <a:rPr lang="de-CH" dirty="0"/>
+              <a:t> (SYN-</a:t>
+            </a:r>
+            <a:r>
+              <a:rPr lang="de-CH" dirty="0" err="1"/>
+              <a:t>Flooding</a:t>
+            </a:r>
+            <a:r>
+              <a:rPr lang="de-CH" dirty="0" smtClean="0"/>
+              <a:t>)</a:t>
+            </a:r>
+          </a:p>
+          <a:p>
+            <a:pPr lvl="1"/>
+            <a:r>
+              <a:rPr lang="en-US" dirty="0"/>
+              <a:t>SYN </a:t>
+            </a:r>
+            <a:r>
+              <a:rPr lang="en-US" dirty="0" smtClean="0"/>
+              <a:t>Cookies</a:t>
+            </a:r>
+          </a:p>
+          <a:p>
+            <a:pPr lvl="1"/>
+            <a:r>
+              <a:rPr lang="fr-FR" dirty="0" err="1" smtClean="0"/>
+              <a:t>connection</a:t>
+            </a:r>
+            <a:r>
+              <a:rPr lang="fr-FR" dirty="0" smtClean="0"/>
+              <a:t> </a:t>
+            </a:r>
+            <a:r>
+              <a:rPr lang="fr-FR" dirty="0" err="1" smtClean="0"/>
+              <a:t>conn</a:t>
+            </a:r>
+            <a:r>
+              <a:rPr lang="fr-FR" dirty="0" smtClean="0"/>
+              <a:t>-max</a:t>
+            </a:r>
+            <a:endParaRPr lang="fr-FR" dirty="0"/>
+          </a:p>
+          <a:p>
+            <a:pPr lvl="1"/>
+            <a:r>
+              <a:rPr lang="fr-FR" dirty="0" err="1" smtClean="0"/>
+              <a:t>connection</a:t>
+            </a:r>
+            <a:r>
+              <a:rPr lang="fr-FR" dirty="0" smtClean="0"/>
+              <a:t> timeout</a:t>
+            </a:r>
+            <a:endParaRPr lang="en-US" dirty="0"/>
+          </a:p>
+          <a:p>
+            <a:r>
+              <a:rPr lang="de-CH" dirty="0" err="1" smtClean="0"/>
+              <a:t>Rogue</a:t>
+            </a:r>
+            <a:r>
+              <a:rPr lang="de-CH" dirty="0" smtClean="0"/>
+              <a:t> </a:t>
+            </a:r>
+            <a:r>
+              <a:rPr lang="de-CH" dirty="0"/>
+              <a:t>DHCP</a:t>
+            </a:r>
+          </a:p>
+          <a:p>
+            <a:pPr lvl="1"/>
+            <a:r>
+              <a:rPr lang="de-CH" dirty="0"/>
+              <a:t>ACL: </a:t>
+            </a:r>
+            <a:r>
+              <a:rPr lang="de-CH" dirty="0" smtClean="0"/>
+              <a:t>Port </a:t>
+            </a:r>
+            <a:r>
+              <a:rPr lang="de-CH" dirty="0"/>
+              <a:t>68 </a:t>
+            </a:r>
+            <a:r>
+              <a:rPr lang="de-CH" dirty="0" smtClean="0"/>
+              <a:t>für </a:t>
+            </a:r>
+            <a:r>
+              <a:rPr lang="de-CH" dirty="0"/>
+              <a:t>DHCP </a:t>
+            </a:r>
+            <a:r>
+              <a:rPr lang="de-CH" dirty="0" smtClean="0"/>
+              <a:t>Antworten blockieren</a:t>
+            </a:r>
+            <a:endParaRPr lang="de-CH" dirty="0"/>
+          </a:p>
+        </p:txBody>
+      </p:sp>
+    </p:spTree>
+    <p:extLst>
+      <p:ext uri="{BB962C8B-B14F-4D97-AF65-F5344CB8AC3E}">
+        <p14:creationId xmlns:p14="http://schemas.microsoft.com/office/powerpoint/2010/main" xmlns="" val="2103185437"/>
+      </p:ext>
+    </p:extLst>
+  </p:cSld>
+  <p:clrMapOvr>
+    <a:masterClrMapping/>
+  </p:clrMapOvr>
+  <p:timing>
+    <p:tnLst>
+      <p:par>
+        <p:cTn id="1" dur="indefinite" restart="never" nodeType="tmRoot">
+          <p:childTnLst>
+            <p:seq concurrent="1" nextAc="seek">
+              <p:cTn id="2" dur="indefinite" nodeType="mainSeq">
+                <p:childTnLst>
+                  <p:par>
+                    <p:cTn id="3" fill="hold">
+                      <p:stCondLst>
+                        <p:cond delay="indefinite"/>
+                      </p:stCondLst>
+                      <p:childTnLst>
+                        <p:par>
+                          <p:cTn id="4" fill="hold">
+                            <p:stCondLst>
+                              <p:cond delay="0"/>
+                            </p:stCondLst>
+                            <p:childTnLst>
+                              <p:par>
+                                <p:cTn id="5" presetID="1" presetClass="entr" presetSubtype="0" fill="hold" nodeType="clickEffect">
+                                  <p:stCondLst>
+                                    <p:cond delay="0"/>
+                                  </p:stCondLst>
+                                  <p:childTnLst>
+                                    <p:set>
+                                      <p:cBhvr>
+                                        <p:cTn id="6" dur="1" fill="hold">
+                                          <p:stCondLst>
+                                            <p:cond delay="0"/>
+                                          </p:stCondLst>
+                                        </p:cTn>
+                                        <p:tgtEl>
+                                          <p:spTgt spid="3">
+                                            <p:txEl>
+                                              <p:pRg st="0" end="0"/>
+                                            </p:txEl>
+                                          </p:spTgt>
+                                        </p:tgtEl>
+                                        <p:attrNameLst>
+                                          <p:attrName>style.visibility</p:attrName>
+                                        </p:attrNameLst>
+                                      </p:cBhvr>
+                                      <p:to>
+                                        <p:strVal val="visible"/>
+                                      </p:to>
+                                    </p:set>
+                                  </p:childTnLst>
+                                </p:cTn>
+                              </p:par>
                               <p:par>
                                 <p:cTn id="7" presetID="1" presetClass="entr" presetSubtype="0" fill="hold" nodeType="withEffect">
                                   <p:stCondLst>
@@ -6677,7 +7256,7 @@
 </p:sld>
 </file>
 
-<file path=ppt/slides/slide7.xml><?xml version="1.0" encoding="utf-8"?>
+<file path=ppt/slides/slide8.xml><?xml version="1.0" encoding="utf-8"?>
 <p:sld xmlns:a="http://schemas.openxmlformats.org/drawingml/2006/main" xmlns:r="http://schemas.openxmlformats.org/officeDocument/2006/relationships" xmlns:p="http://schemas.openxmlformats.org/presentationml/2006/main">
   <p:cSld>
     <p:spTree>
@@ -6725,7 +7304,7 @@
     </p:spTree>
     <p:extLst>
       <p:ext uri="{BB962C8B-B14F-4D97-AF65-F5344CB8AC3E}">
-        <p14:creationId xmlns:p14="http://schemas.microsoft.com/office/powerpoint/2010/main" val="655262396"/>
+        <p14:creationId xmlns:p14="http://schemas.microsoft.com/office/powerpoint/2010/main" xmlns="" val="655262396"/>
       </p:ext>
     </p:extLst>
   </p:cSld>

--- a/Phase1/Demo1.pptx
+++ b/Phase1/Demo1.pptx
@@ -113,7 +113,7 @@
   </p:defaultTextStyle>
   <p:extLst>
     <p:ext uri="{EFAFB233-063F-42B5-8137-9DF3F51BA10A}">
-      <p15:sldGuideLst xmlns:p15="http://schemas.microsoft.com/office/powerpoint/2012/main" xmlns="">
+      <p15:sldGuideLst xmlns="" xmlns:p15="http://schemas.microsoft.com/office/powerpoint/2012/main">
         <p15:guide id="1" orient="horz" pos="2160">
           <p15:clr>
             <a:srgbClr val="A4A3A4"/>
@@ -3257,7 +3257,6 @@
               <a:rPr lang="de-CH" dirty="0" smtClean="0"/>
               <a:t>IP-Konzept </a:t>
             </a:r>
-            <a:endParaRPr lang="de-CH" dirty="0" smtClean="0"/>
           </a:p>
           <a:p>
             <a:pPr lvl="1"/>
@@ -3265,7 +3264,6 @@
               <a:rPr lang="de-CH" dirty="0" smtClean="0"/>
               <a:t>Adressvergabe an Clients</a:t>
             </a:r>
-            <a:endParaRPr lang="de-CH" dirty="0" smtClean="0"/>
           </a:p>
           <a:p>
             <a:r>
@@ -5921,7 +5919,7 @@
         <p:spPr/>
         <p:txBody>
           <a:bodyPr>
-            <a:normAutofit lnSpcReduction="10000"/>
+            <a:normAutofit fontScale="92500" lnSpcReduction="20000"/>
           </a:bodyPr>
           <a:lstStyle/>
           <a:p>
@@ -6060,6 +6058,17 @@
             <a:r>
               <a:rPr lang="de-CH" dirty="0" smtClean="0"/>
               <a:t>ARP </a:t>
+            </a:r>
+            <a:r>
+              <a:rPr lang="de-CH" dirty="0" err="1" smtClean="0"/>
+              <a:t>spoofing</a:t>
+            </a:r>
+            <a:endParaRPr lang="de-CH" dirty="0" smtClean="0"/>
+          </a:p>
+          <a:p>
+            <a:r>
+              <a:rPr lang="de-CH" dirty="0" smtClean="0"/>
+              <a:t>IP </a:t>
             </a:r>
             <a:r>
               <a:rPr lang="de-CH" dirty="0" err="1" smtClean="0"/>
@@ -6072,7 +6081,7 @@
     </p:spTree>
     <p:extLst>
       <p:ext uri="{BB962C8B-B14F-4D97-AF65-F5344CB8AC3E}">
-        <p14:creationId xmlns:p14="http://schemas.microsoft.com/office/powerpoint/2010/main" xmlns="" val="932044178"/>
+        <p14:creationId xmlns="" xmlns:p14="http://schemas.microsoft.com/office/powerpoint/2010/main" val="932044178"/>
       </p:ext>
     </p:extLst>
   </p:cSld>
@@ -6459,6 +6468,55 @@
                                           <p:spTgt spid="3">
                                             <p:txEl>
                                               <p:pRg st="7" end="7"/>
+                                            </p:txEl>
+                                          </p:spTgt>
+                                        </p:tgtEl>
+                                        <p:attrNameLst>
+                                          <p:attrName>style.visibility</p:attrName>
+                                        </p:attrNameLst>
+                                      </p:cBhvr>
+                                      <p:to>
+                                        <p:strVal val="visible"/>
+                                      </p:to>
+                                    </p:set>
+                                  </p:childTnLst>
+                                </p:cTn>
+                              </p:par>
+                            </p:childTnLst>
+                          </p:cTn>
+                        </p:par>
+                      </p:childTnLst>
+                    </p:cTn>
+                  </p:par>
+                  <p:par>
+                    <p:cTn id="35" fill="hold">
+                      <p:stCondLst>
+                        <p:cond delay="indefinite"/>
+                      </p:stCondLst>
+                      <p:childTnLst>
+                        <p:par>
+                          <p:cTn id="36" fill="hold">
+                            <p:stCondLst>
+                              <p:cond delay="0"/>
+                            </p:stCondLst>
+                            <p:childTnLst>
+                              <p:par>
+                                <p:cTn id="37" presetID="1" presetClass="entr" presetSubtype="0" fill="hold" nodeType="clickEffect">
+                                  <p:stCondLst>
+                                    <p:cond delay="0"/>
+                                  </p:stCondLst>
+                                  <p:childTnLst>
+                                    <p:set>
+                                      <p:cBhvr>
+                                        <p:cTn id="38" dur="1" fill="hold">
+                                          <p:stCondLst>
+                                            <p:cond delay="0"/>
+                                          </p:stCondLst>
+                                        </p:cTn>
+                                        <p:tgtEl>
+                                          <p:spTgt spid="3">
+                                            <p:txEl>
+                                              <p:pRg st="8" end="8"/>
                                             </p:txEl>
                                           </p:spTgt>
                                         </p:tgtEl>
@@ -6834,7 +6892,7 @@
     </p:spTree>
     <p:extLst>
       <p:ext uri="{BB962C8B-B14F-4D97-AF65-F5344CB8AC3E}">
-        <p14:creationId xmlns:p14="http://schemas.microsoft.com/office/powerpoint/2010/main" xmlns="" val="2103185437"/>
+        <p14:creationId xmlns="" xmlns:p14="http://schemas.microsoft.com/office/powerpoint/2010/main" val="2103185437"/>
       </p:ext>
     </p:extLst>
   </p:cSld>
@@ -7304,7 +7362,7 @@
     </p:spTree>
     <p:extLst>
       <p:ext uri="{BB962C8B-B14F-4D97-AF65-F5344CB8AC3E}">
-        <p14:creationId xmlns:p14="http://schemas.microsoft.com/office/powerpoint/2010/main" xmlns="" val="655262396"/>
+        <p14:creationId xmlns="" xmlns:p14="http://schemas.microsoft.com/office/powerpoint/2010/main" val="655262396"/>
       </p:ext>
     </p:extLst>
   </p:cSld>
